--- a/mod portal/beschreibung.pptx
+++ b/mod portal/beschreibung.pptx
@@ -6,6 +6,7 @@
   </p:sldMasterIdLst>
   <p:sldIdLst>
     <p:sldId id="257" r:id="rId2"/>
+    <p:sldId id="258" r:id="rId3"/>
   </p:sldIdLst>
   <p:sldSz cx="12192000" cy="6858000"/>
   <p:notesSz cx="6858000" cy="9144000"/>
@@ -490,7 +491,7 @@
           <a:p>
             <a:fld id="{001085A8-AF7E-42CD-A8E6-48D1941FBFE9}" type="datetimeFigureOut">
               <a:rPr lang="de-CH" smtClean="0"/>
-              <a:t>28.12.2017</a:t>
+              <a:t>11.07.2018</a:t>
             </a:fld>
             <a:endParaRPr lang="de-CH"/>
           </a:p>
@@ -690,7 +691,7 @@
           <a:p>
             <a:fld id="{001085A8-AF7E-42CD-A8E6-48D1941FBFE9}" type="datetimeFigureOut">
               <a:rPr lang="de-CH" smtClean="0"/>
-              <a:t>28.12.2017</a:t>
+              <a:t>11.07.2018</a:t>
             </a:fld>
             <a:endParaRPr lang="de-CH"/>
           </a:p>
@@ -900,7 +901,7 @@
           <a:p>
             <a:fld id="{001085A8-AF7E-42CD-A8E6-48D1941FBFE9}" type="datetimeFigureOut">
               <a:rPr lang="de-CH" smtClean="0"/>
-              <a:t>28.12.2017</a:t>
+              <a:t>11.07.2018</a:t>
             </a:fld>
             <a:endParaRPr lang="de-CH"/>
           </a:p>
@@ -1100,7 +1101,7 @@
           <a:p>
             <a:fld id="{001085A8-AF7E-42CD-A8E6-48D1941FBFE9}" type="datetimeFigureOut">
               <a:rPr lang="de-CH" smtClean="0"/>
-              <a:t>28.12.2017</a:t>
+              <a:t>11.07.2018</a:t>
             </a:fld>
             <a:endParaRPr lang="de-CH"/>
           </a:p>
@@ -1376,7 +1377,7 @@
           <a:p>
             <a:fld id="{001085A8-AF7E-42CD-A8E6-48D1941FBFE9}" type="datetimeFigureOut">
               <a:rPr lang="de-CH" smtClean="0"/>
-              <a:t>28.12.2017</a:t>
+              <a:t>11.07.2018</a:t>
             </a:fld>
             <a:endParaRPr lang="de-CH"/>
           </a:p>
@@ -1644,7 +1645,7 @@
           <a:p>
             <a:fld id="{001085A8-AF7E-42CD-A8E6-48D1941FBFE9}" type="datetimeFigureOut">
               <a:rPr lang="de-CH" smtClean="0"/>
-              <a:t>28.12.2017</a:t>
+              <a:t>11.07.2018</a:t>
             </a:fld>
             <a:endParaRPr lang="de-CH"/>
           </a:p>
@@ -2059,7 +2060,7 @@
           <a:p>
             <a:fld id="{001085A8-AF7E-42CD-A8E6-48D1941FBFE9}" type="datetimeFigureOut">
               <a:rPr lang="de-CH" smtClean="0"/>
-              <a:t>28.12.2017</a:t>
+              <a:t>11.07.2018</a:t>
             </a:fld>
             <a:endParaRPr lang="de-CH"/>
           </a:p>
@@ -2201,7 +2202,7 @@
           <a:p>
             <a:fld id="{001085A8-AF7E-42CD-A8E6-48D1941FBFE9}" type="datetimeFigureOut">
               <a:rPr lang="de-CH" smtClean="0"/>
-              <a:t>28.12.2017</a:t>
+              <a:t>11.07.2018</a:t>
             </a:fld>
             <a:endParaRPr lang="de-CH"/>
           </a:p>
@@ -2314,7 +2315,7 @@
           <a:p>
             <a:fld id="{001085A8-AF7E-42CD-A8E6-48D1941FBFE9}" type="datetimeFigureOut">
               <a:rPr lang="de-CH" smtClean="0"/>
-              <a:t>28.12.2017</a:t>
+              <a:t>11.07.2018</a:t>
             </a:fld>
             <a:endParaRPr lang="de-CH"/>
           </a:p>
@@ -2627,7 +2628,7 @@
           <a:p>
             <a:fld id="{001085A8-AF7E-42CD-A8E6-48D1941FBFE9}" type="datetimeFigureOut">
               <a:rPr lang="de-CH" smtClean="0"/>
-              <a:t>28.12.2017</a:t>
+              <a:t>11.07.2018</a:t>
             </a:fld>
             <a:endParaRPr lang="de-CH"/>
           </a:p>
@@ -2916,7 +2917,7 @@
           <a:p>
             <a:fld id="{001085A8-AF7E-42CD-A8E6-48D1941FBFE9}" type="datetimeFigureOut">
               <a:rPr lang="de-CH" smtClean="0"/>
-              <a:t>28.12.2017</a:t>
+              <a:t>11.07.2018</a:t>
             </a:fld>
             <a:endParaRPr lang="de-CH"/>
           </a:p>
@@ -3159,7 +3160,7 @@
           <a:p>
             <a:fld id="{001085A8-AF7E-42CD-A8E6-48D1941FBFE9}" type="datetimeFigureOut">
               <a:rPr lang="de-CH" smtClean="0"/>
-              <a:t>28.12.2017</a:t>
+              <a:t>11.07.2018</a:t>
             </a:fld>
             <a:endParaRPr lang="de-CH"/>
           </a:p>
@@ -3576,6 +3577,42 @@
           <a:chExt cx="0" cy="0"/>
         </a:xfrm>
       </p:grpSpPr>
+      <p:pic>
+        <p:nvPicPr>
+          <p:cNvPr id="54" name="Grafik 53">
+            <a:extLst>
+              <a:ext uri="{FF2B5EF4-FFF2-40B4-BE49-F238E27FC236}">
+                <a16:creationId xmlns:a16="http://schemas.microsoft.com/office/drawing/2014/main" id="{575A6D7D-092A-4F7D-98BB-342B35D167E1}"/>
+              </a:ext>
+            </a:extLst>
+          </p:cNvPr>
+          <p:cNvPicPr>
+            <a:picLocks noChangeAspect="1"/>
+          </p:cNvPicPr>
+          <p:nvPr/>
+        </p:nvPicPr>
+        <p:blipFill>
+          <a:blip r:embed="rId2">
+            <a:extLst>
+              <a:ext uri="{28A0092B-C50C-407E-A947-70E740481C1C}">
+                <a14:useLocalDpi xmlns:a14="http://schemas.microsoft.com/office/drawing/2010/main" val="0"/>
+              </a:ext>
+            </a:extLst>
+          </a:blip>
+          <a:stretch>
+            <a:fillRect/>
+          </a:stretch>
+        </p:blipFill>
+        <p:spPr>
+          <a:xfrm>
+            <a:off x="8335" y="896210"/>
+            <a:ext cx="5278865" cy="5108350"/>
+          </a:xfrm>
+          <a:prstGeom prst="rect">
+            <a:avLst/>
+          </a:prstGeom>
+        </p:spPr>
+      </p:pic>
       <p:sp>
         <p:nvSpPr>
           <p:cNvPr id="24" name="Textfeld 23">
@@ -3591,7 +3628,7 @@
         <p:spPr>
           <a:xfrm>
             <a:off x="5737784" y="1683190"/>
-            <a:ext cx="5824296" cy="3293209"/>
+            <a:ext cx="5824296" cy="3539430"/>
           </a:xfrm>
           <a:prstGeom prst="rect">
             <a:avLst/>
@@ -3699,964 +3736,15 @@
               <a:rPr lang="en-US" sz="1600" dirty="0"/>
               <a:t>Click on it and see the technology directly in the research tree (experimental feature).</a:t>
             </a:r>
+          </a:p>
+          <a:p>
+            <a:pPr marL="342900" indent="-342900">
+              <a:buAutoNum type="arabicPeriod"/>
+            </a:pPr>
             <a:endParaRPr lang="en-GB" sz="1600" dirty="0"/>
           </a:p>
         </p:txBody>
       </p:sp>
-      <p:grpSp>
-        <p:nvGrpSpPr>
-          <p:cNvPr id="33" name="Gruppieren 32">
-            <a:extLst>
-              <a:ext uri="{FF2B5EF4-FFF2-40B4-BE49-F238E27FC236}">
-                <a16:creationId xmlns:a16="http://schemas.microsoft.com/office/drawing/2014/main" id="{924C90D3-210F-49D8-B7E3-E93863EF4293}"/>
-              </a:ext>
-            </a:extLst>
-          </p:cNvPr>
-          <p:cNvGrpSpPr/>
-          <p:nvPr/>
-        </p:nvGrpSpPr>
-        <p:grpSpPr>
-          <a:xfrm>
-            <a:off x="0" y="0"/>
-            <a:ext cx="5737784" cy="5808023"/>
-            <a:chOff x="0" y="26083"/>
-            <a:chExt cx="5737784" cy="5808023"/>
-          </a:xfrm>
-        </p:grpSpPr>
-        <p:pic>
-          <p:nvPicPr>
-            <p:cNvPr id="2" name="Grafik 1">
-              <a:extLst>
-                <a:ext uri="{FF2B5EF4-FFF2-40B4-BE49-F238E27FC236}">
-                  <a16:creationId xmlns:a16="http://schemas.microsoft.com/office/drawing/2014/main" id="{1A9948F2-5FBE-49CD-8A61-2FFA34A33A06}"/>
-                </a:ext>
-              </a:extLst>
-            </p:cNvPr>
-            <p:cNvPicPr>
-              <a:picLocks noChangeAspect="1"/>
-            </p:cNvPicPr>
-            <p:nvPr/>
-          </p:nvPicPr>
-          <p:blipFill rotWithShape="1">
-            <a:blip r:embed="rId2">
-              <a:extLst>
-                <a:ext uri="{28A0092B-C50C-407E-A947-70E740481C1C}">
-                  <a14:useLocalDpi xmlns:a14="http://schemas.microsoft.com/office/drawing/2010/main"/>
-                </a:ext>
-              </a:extLst>
-            </a:blip>
-            <a:srcRect r="279" b="274"/>
-            <a:stretch/>
-          </p:blipFill>
-          <p:spPr>
-            <a:xfrm>
-              <a:off x="0" y="922293"/>
-              <a:ext cx="5737784" cy="4911813"/>
-            </a:xfrm>
-            <a:prstGeom prst="rect">
-              <a:avLst/>
-            </a:prstGeom>
-          </p:spPr>
-        </p:pic>
-        <p:sp>
-          <p:nvSpPr>
-            <p:cNvPr id="3" name="Rechteck 2">
-              <a:extLst>
-                <a:ext uri="{FF2B5EF4-FFF2-40B4-BE49-F238E27FC236}">
-                  <a16:creationId xmlns:a16="http://schemas.microsoft.com/office/drawing/2014/main" id="{A9C0F366-F446-4DE3-ACC9-1C8636C75996}"/>
-                </a:ext>
-              </a:extLst>
-            </p:cNvPr>
-            <p:cNvSpPr/>
-            <p:nvPr/>
-          </p:nvSpPr>
-          <p:spPr>
-            <a:xfrm>
-              <a:off x="149641" y="2863583"/>
-              <a:ext cx="306872" cy="294597"/>
-            </a:xfrm>
-            <a:prstGeom prst="rect">
-              <a:avLst/>
-            </a:prstGeom>
-            <a:noFill/>
-            <a:ln w="28575" cmpd="sng">
-              <a:solidFill>
-                <a:srgbClr val="FF0000"/>
-              </a:solidFill>
-            </a:ln>
-          </p:spPr>
-          <p:style>
-            <a:lnRef idx="2">
-              <a:schemeClr val="accent1">
-                <a:shade val="50000"/>
-              </a:schemeClr>
-            </a:lnRef>
-            <a:fillRef idx="1">
-              <a:schemeClr val="accent1"/>
-            </a:fillRef>
-            <a:effectRef idx="0">
-              <a:schemeClr val="accent1"/>
-            </a:effectRef>
-            <a:fontRef idx="minor">
-              <a:schemeClr val="lt1"/>
-            </a:fontRef>
-          </p:style>
-          <p:txBody>
-            <a:bodyPr rtlCol="0" anchor="ctr"/>
-            <a:lstStyle/>
-            <a:p>
-              <a:pPr algn="ctr"/>
-              <a:endParaRPr lang="de-CH" dirty="0"/>
-            </a:p>
-          </p:txBody>
-        </p:sp>
-        <p:sp>
-          <p:nvSpPr>
-            <p:cNvPr id="4" name="Rechteck 3">
-              <a:extLst>
-                <a:ext uri="{FF2B5EF4-FFF2-40B4-BE49-F238E27FC236}">
-                  <a16:creationId xmlns:a16="http://schemas.microsoft.com/office/drawing/2014/main" id="{5A6D7B4F-67AF-4350-8BA2-61C8C9E8785E}"/>
-                </a:ext>
-              </a:extLst>
-            </p:cNvPr>
-            <p:cNvSpPr/>
-            <p:nvPr/>
-          </p:nvSpPr>
-          <p:spPr>
-            <a:xfrm>
-              <a:off x="149641" y="3362250"/>
-              <a:ext cx="306872" cy="942098"/>
-            </a:xfrm>
-            <a:prstGeom prst="rect">
-              <a:avLst/>
-            </a:prstGeom>
-            <a:noFill/>
-            <a:ln w="28575" cmpd="sng">
-              <a:solidFill>
-                <a:srgbClr val="FF0000"/>
-              </a:solidFill>
-            </a:ln>
-          </p:spPr>
-          <p:style>
-            <a:lnRef idx="2">
-              <a:schemeClr val="accent1">
-                <a:shade val="50000"/>
-              </a:schemeClr>
-            </a:lnRef>
-            <a:fillRef idx="1">
-              <a:schemeClr val="accent1"/>
-            </a:fillRef>
-            <a:effectRef idx="0">
-              <a:schemeClr val="accent1"/>
-            </a:effectRef>
-            <a:fontRef idx="minor">
-              <a:schemeClr val="lt1"/>
-            </a:fontRef>
-          </p:style>
-          <p:txBody>
-            <a:bodyPr rtlCol="0" anchor="ctr"/>
-            <a:lstStyle/>
-            <a:p>
-              <a:pPr algn="ctr"/>
-              <a:endParaRPr lang="de-CH" dirty="0"/>
-            </a:p>
-          </p:txBody>
-        </p:sp>
-        <p:sp>
-          <p:nvSpPr>
-            <p:cNvPr id="5" name="Rechteck 4">
-              <a:extLst>
-                <a:ext uri="{FF2B5EF4-FFF2-40B4-BE49-F238E27FC236}">
-                  <a16:creationId xmlns:a16="http://schemas.microsoft.com/office/drawing/2014/main" id="{570A3D18-239B-4D65-A7CF-3283B7AEFE3D}"/>
-                </a:ext>
-              </a:extLst>
-            </p:cNvPr>
-            <p:cNvSpPr/>
-            <p:nvPr/>
-          </p:nvSpPr>
-          <p:spPr>
-            <a:xfrm>
-              <a:off x="149641" y="4506884"/>
-              <a:ext cx="943631" cy="294597"/>
-            </a:xfrm>
-            <a:prstGeom prst="rect">
-              <a:avLst/>
-            </a:prstGeom>
-            <a:noFill/>
-            <a:ln w="28575" cmpd="sng">
-              <a:solidFill>
-                <a:srgbClr val="FF0000"/>
-              </a:solidFill>
-            </a:ln>
-          </p:spPr>
-          <p:style>
-            <a:lnRef idx="2">
-              <a:schemeClr val="accent1">
-                <a:shade val="50000"/>
-              </a:schemeClr>
-            </a:lnRef>
-            <a:fillRef idx="1">
-              <a:schemeClr val="accent1"/>
-            </a:fillRef>
-            <a:effectRef idx="0">
-              <a:schemeClr val="accent1"/>
-            </a:effectRef>
-            <a:fontRef idx="minor">
-              <a:schemeClr val="lt1"/>
-            </a:fontRef>
-          </p:style>
-          <p:txBody>
-            <a:bodyPr rtlCol="0" anchor="ctr"/>
-            <a:lstStyle/>
-            <a:p>
-              <a:pPr algn="ctr"/>
-              <a:endParaRPr lang="de-CH" dirty="0"/>
-            </a:p>
-          </p:txBody>
-        </p:sp>
-        <p:sp>
-          <p:nvSpPr>
-            <p:cNvPr id="6" name="Rechteck 5">
-              <a:extLst>
-                <a:ext uri="{FF2B5EF4-FFF2-40B4-BE49-F238E27FC236}">
-                  <a16:creationId xmlns:a16="http://schemas.microsoft.com/office/drawing/2014/main" id="{42E893DE-D3A0-4B05-8BFF-9A8540E1121E}"/>
-                </a:ext>
-              </a:extLst>
-            </p:cNvPr>
-            <p:cNvSpPr/>
-            <p:nvPr/>
-          </p:nvSpPr>
-          <p:spPr>
-            <a:xfrm>
-              <a:off x="1093272" y="4506884"/>
-              <a:ext cx="306872" cy="294597"/>
-            </a:xfrm>
-            <a:prstGeom prst="rect">
-              <a:avLst/>
-            </a:prstGeom>
-            <a:noFill/>
-            <a:ln w="28575" cmpd="sng">
-              <a:solidFill>
-                <a:srgbClr val="FF0000"/>
-              </a:solidFill>
-            </a:ln>
-          </p:spPr>
-          <p:style>
-            <a:lnRef idx="2">
-              <a:schemeClr val="accent1">
-                <a:shade val="50000"/>
-              </a:schemeClr>
-            </a:lnRef>
-            <a:fillRef idx="1">
-              <a:schemeClr val="accent1"/>
-            </a:fillRef>
-            <a:effectRef idx="0">
-              <a:schemeClr val="accent1"/>
-            </a:effectRef>
-            <a:fontRef idx="minor">
-              <a:schemeClr val="lt1"/>
-            </a:fontRef>
-          </p:style>
-          <p:txBody>
-            <a:bodyPr rtlCol="0" anchor="ctr"/>
-            <a:lstStyle/>
-            <a:p>
-              <a:pPr algn="ctr"/>
-              <a:endParaRPr lang="de-CH" dirty="0"/>
-            </a:p>
-          </p:txBody>
-        </p:sp>
-        <p:sp>
-          <p:nvSpPr>
-            <p:cNvPr id="7" name="Rechteck 6">
-              <a:extLst>
-                <a:ext uri="{FF2B5EF4-FFF2-40B4-BE49-F238E27FC236}">
-                  <a16:creationId xmlns:a16="http://schemas.microsoft.com/office/drawing/2014/main" id="{1D48A3E8-9E89-47E6-89B9-B528B824CA65}"/>
-                </a:ext>
-              </a:extLst>
-            </p:cNvPr>
-            <p:cNvSpPr/>
-            <p:nvPr/>
-          </p:nvSpPr>
-          <p:spPr>
-            <a:xfrm>
-              <a:off x="149641" y="5002482"/>
-              <a:ext cx="555439" cy="678188"/>
-            </a:xfrm>
-            <a:prstGeom prst="rect">
-              <a:avLst/>
-            </a:prstGeom>
-            <a:noFill/>
-            <a:ln w="28575" cmpd="sng">
-              <a:solidFill>
-                <a:srgbClr val="FF0000"/>
-              </a:solidFill>
-            </a:ln>
-          </p:spPr>
-          <p:style>
-            <a:lnRef idx="2">
-              <a:schemeClr val="accent1">
-                <a:shade val="50000"/>
-              </a:schemeClr>
-            </a:lnRef>
-            <a:fillRef idx="1">
-              <a:schemeClr val="accent1"/>
-            </a:fillRef>
-            <a:effectRef idx="0">
-              <a:schemeClr val="accent1"/>
-            </a:effectRef>
-            <a:fontRef idx="minor">
-              <a:schemeClr val="lt1"/>
-            </a:fontRef>
-          </p:style>
-          <p:txBody>
-            <a:bodyPr rtlCol="0" anchor="ctr"/>
-            <a:lstStyle/>
-            <a:p>
-              <a:pPr algn="ctr"/>
-              <a:endParaRPr lang="de-CH" dirty="0"/>
-            </a:p>
-          </p:txBody>
-        </p:sp>
-        <p:sp>
-          <p:nvSpPr>
-            <p:cNvPr id="8" name="Rechteck 7">
-              <a:extLst>
-                <a:ext uri="{FF2B5EF4-FFF2-40B4-BE49-F238E27FC236}">
-                  <a16:creationId xmlns:a16="http://schemas.microsoft.com/office/drawing/2014/main" id="{E0F162F7-C7D7-43E3-8AED-7B04207E8BD5}"/>
-                </a:ext>
-              </a:extLst>
-            </p:cNvPr>
-            <p:cNvSpPr/>
-            <p:nvPr/>
-          </p:nvSpPr>
-          <p:spPr>
-            <a:xfrm>
-              <a:off x="849309" y="1298534"/>
-              <a:ext cx="306872" cy="294597"/>
-            </a:xfrm>
-            <a:prstGeom prst="rect">
-              <a:avLst/>
-            </a:prstGeom>
-            <a:noFill/>
-            <a:ln w="28575" cmpd="sng">
-              <a:solidFill>
-                <a:srgbClr val="FF0000"/>
-              </a:solidFill>
-            </a:ln>
-          </p:spPr>
-          <p:style>
-            <a:lnRef idx="2">
-              <a:schemeClr val="accent1">
-                <a:shade val="50000"/>
-              </a:schemeClr>
-            </a:lnRef>
-            <a:fillRef idx="1">
-              <a:schemeClr val="accent1"/>
-            </a:fillRef>
-            <a:effectRef idx="0">
-              <a:schemeClr val="accent1"/>
-            </a:effectRef>
-            <a:fontRef idx="minor">
-              <a:schemeClr val="lt1"/>
-            </a:fontRef>
-          </p:style>
-          <p:txBody>
-            <a:bodyPr rtlCol="0" anchor="ctr"/>
-            <a:lstStyle/>
-            <a:p>
-              <a:pPr algn="ctr"/>
-              <a:endParaRPr lang="de-CH" dirty="0"/>
-            </a:p>
-          </p:txBody>
-        </p:sp>
-        <p:sp>
-          <p:nvSpPr>
-            <p:cNvPr id="9" name="Rechteck 8">
-              <a:extLst>
-                <a:ext uri="{FF2B5EF4-FFF2-40B4-BE49-F238E27FC236}">
-                  <a16:creationId xmlns:a16="http://schemas.microsoft.com/office/drawing/2014/main" id="{89E5504A-15D5-4184-9FFB-8341606CC3E1}"/>
-                </a:ext>
-              </a:extLst>
-            </p:cNvPr>
-            <p:cNvSpPr/>
-            <p:nvPr/>
-          </p:nvSpPr>
-          <p:spPr>
-            <a:xfrm>
-              <a:off x="61671" y="1722018"/>
-              <a:ext cx="1921020" cy="163665"/>
-            </a:xfrm>
-            <a:prstGeom prst="rect">
-              <a:avLst/>
-            </a:prstGeom>
-            <a:noFill/>
-            <a:ln w="28575" cmpd="sng">
-              <a:solidFill>
-                <a:srgbClr val="FF0000"/>
-              </a:solidFill>
-            </a:ln>
-          </p:spPr>
-          <p:style>
-            <a:lnRef idx="2">
-              <a:schemeClr val="accent1">
-                <a:shade val="50000"/>
-              </a:schemeClr>
-            </a:lnRef>
-            <a:fillRef idx="1">
-              <a:schemeClr val="accent1"/>
-            </a:fillRef>
-            <a:effectRef idx="0">
-              <a:schemeClr val="accent1"/>
-            </a:effectRef>
-            <a:fontRef idx="minor">
-              <a:schemeClr val="lt1"/>
-            </a:fontRef>
-          </p:style>
-          <p:txBody>
-            <a:bodyPr rtlCol="0" anchor="ctr"/>
-            <a:lstStyle/>
-            <a:p>
-              <a:pPr algn="ctr"/>
-              <a:endParaRPr lang="de-CH" dirty="0"/>
-            </a:p>
-          </p:txBody>
-        </p:sp>
-        <p:sp>
-          <p:nvSpPr>
-            <p:cNvPr id="10" name="Rechteck 9">
-              <a:extLst>
-                <a:ext uri="{FF2B5EF4-FFF2-40B4-BE49-F238E27FC236}">
-                  <a16:creationId xmlns:a16="http://schemas.microsoft.com/office/drawing/2014/main" id="{61F2DAC7-A352-4E08-A210-770BF4731EE9}"/>
-                </a:ext>
-              </a:extLst>
-            </p:cNvPr>
-            <p:cNvSpPr/>
-            <p:nvPr/>
-          </p:nvSpPr>
-          <p:spPr>
-            <a:xfrm>
-              <a:off x="2044361" y="1593132"/>
-              <a:ext cx="584807" cy="409163"/>
-            </a:xfrm>
-            <a:prstGeom prst="rect">
-              <a:avLst/>
-            </a:prstGeom>
-            <a:noFill/>
-            <a:ln w="28575" cmpd="sng">
-              <a:solidFill>
-                <a:srgbClr val="FF0000"/>
-              </a:solidFill>
-            </a:ln>
-          </p:spPr>
-          <p:style>
-            <a:lnRef idx="2">
-              <a:schemeClr val="accent1">
-                <a:shade val="50000"/>
-              </a:schemeClr>
-            </a:lnRef>
-            <a:fillRef idx="1">
-              <a:schemeClr val="accent1"/>
-            </a:fillRef>
-            <a:effectRef idx="0">
-              <a:schemeClr val="accent1"/>
-            </a:effectRef>
-            <a:fontRef idx="minor">
-              <a:schemeClr val="lt1"/>
-            </a:fontRef>
-          </p:style>
-          <p:txBody>
-            <a:bodyPr rtlCol="0" anchor="ctr"/>
-            <a:lstStyle/>
-            <a:p>
-              <a:pPr algn="ctr"/>
-              <a:endParaRPr lang="de-CH" dirty="0"/>
-            </a:p>
-          </p:txBody>
-        </p:sp>
-        <p:sp>
-          <p:nvSpPr>
-            <p:cNvPr id="11" name="Rechteck 10">
-              <a:extLst>
-                <a:ext uri="{FF2B5EF4-FFF2-40B4-BE49-F238E27FC236}">
-                  <a16:creationId xmlns:a16="http://schemas.microsoft.com/office/drawing/2014/main" id="{5BCF07EE-0D07-4189-858C-2FD4ABD4BDA4}"/>
-                </a:ext>
-              </a:extLst>
-            </p:cNvPr>
-            <p:cNvSpPr/>
-            <p:nvPr/>
-          </p:nvSpPr>
-          <p:spPr>
-            <a:xfrm>
-              <a:off x="1189938" y="2041165"/>
-              <a:ext cx="306872" cy="294597"/>
-            </a:xfrm>
-            <a:prstGeom prst="rect">
-              <a:avLst/>
-            </a:prstGeom>
-            <a:noFill/>
-            <a:ln w="28575" cmpd="sng">
-              <a:solidFill>
-                <a:srgbClr val="FF0000"/>
-              </a:solidFill>
-            </a:ln>
-          </p:spPr>
-          <p:style>
-            <a:lnRef idx="2">
-              <a:schemeClr val="accent1">
-                <a:shade val="50000"/>
-              </a:schemeClr>
-            </a:lnRef>
-            <a:fillRef idx="1">
-              <a:schemeClr val="accent1"/>
-            </a:fillRef>
-            <a:effectRef idx="0">
-              <a:schemeClr val="accent1"/>
-            </a:effectRef>
-            <a:fontRef idx="minor">
-              <a:schemeClr val="lt1"/>
-            </a:fontRef>
-          </p:style>
-          <p:txBody>
-            <a:bodyPr rtlCol="0" anchor="ctr"/>
-            <a:lstStyle/>
-            <a:p>
-              <a:pPr algn="ctr"/>
-              <a:endParaRPr lang="de-CH" dirty="0"/>
-            </a:p>
-          </p:txBody>
-        </p:sp>
-        <p:sp>
-          <p:nvSpPr>
-            <p:cNvPr id="12" name="Textfeld 11">
-              <a:extLst>
-                <a:ext uri="{FF2B5EF4-FFF2-40B4-BE49-F238E27FC236}">
-                  <a16:creationId xmlns:a16="http://schemas.microsoft.com/office/drawing/2014/main" id="{208287E7-2558-4C20-AD98-0DE165DD3C58}"/>
-                </a:ext>
-              </a:extLst>
-            </p:cNvPr>
-            <p:cNvSpPr txBox="1"/>
-            <p:nvPr/>
-          </p:nvSpPr>
-          <p:spPr>
-            <a:xfrm>
-              <a:off x="1001521" y="968925"/>
-              <a:ext cx="180728" cy="297474"/>
-            </a:xfrm>
-            <a:prstGeom prst="rect">
-              <a:avLst/>
-            </a:prstGeom>
-            <a:noFill/>
-          </p:spPr>
-          <p:txBody>
-            <a:bodyPr wrap="square" rtlCol="0">
-              <a:spAutoFit/>
-            </a:bodyPr>
-            <a:lstStyle/>
-            <a:p>
-              <a:r>
-                <a:rPr lang="de-CH" dirty="0">
-                  <a:solidFill>
-                    <a:srgbClr val="FF0000"/>
-                  </a:solidFill>
-                </a:rPr>
-                <a:t>1</a:t>
-              </a:r>
-            </a:p>
-          </p:txBody>
-        </p:sp>
-        <p:sp>
-          <p:nvSpPr>
-            <p:cNvPr id="13" name="Textfeld 12">
-              <a:extLst>
-                <a:ext uri="{FF2B5EF4-FFF2-40B4-BE49-F238E27FC236}">
-                  <a16:creationId xmlns:a16="http://schemas.microsoft.com/office/drawing/2014/main" id="{C1A78A96-33DC-4A08-BFEC-049CB406FFF7}"/>
-                </a:ext>
-              </a:extLst>
-            </p:cNvPr>
-            <p:cNvSpPr txBox="1"/>
-            <p:nvPr/>
-          </p:nvSpPr>
-          <p:spPr>
-            <a:xfrm>
-              <a:off x="1392426" y="1418944"/>
-              <a:ext cx="180728" cy="297474"/>
-            </a:xfrm>
-            <a:prstGeom prst="rect">
-              <a:avLst/>
-            </a:prstGeom>
-            <a:noFill/>
-          </p:spPr>
-          <p:txBody>
-            <a:bodyPr wrap="square" rtlCol="0">
-              <a:spAutoFit/>
-            </a:bodyPr>
-            <a:lstStyle/>
-            <a:p>
-              <a:r>
-                <a:rPr lang="de-CH" dirty="0">
-                  <a:solidFill>
-                    <a:srgbClr val="FF0000"/>
-                  </a:solidFill>
-                </a:rPr>
-                <a:t>2</a:t>
-              </a:r>
-            </a:p>
-          </p:txBody>
-        </p:sp>
-        <p:sp>
-          <p:nvSpPr>
-            <p:cNvPr id="14" name="Textfeld 13">
-              <a:extLst>
-                <a:ext uri="{FF2B5EF4-FFF2-40B4-BE49-F238E27FC236}">
-                  <a16:creationId xmlns:a16="http://schemas.microsoft.com/office/drawing/2014/main" id="{8344A0D8-358D-4378-94FA-D1025E4BE9C2}"/>
-                </a:ext>
-              </a:extLst>
-            </p:cNvPr>
-            <p:cNvSpPr txBox="1"/>
-            <p:nvPr/>
-          </p:nvSpPr>
-          <p:spPr>
-            <a:xfrm>
-              <a:off x="2349772" y="1266399"/>
-              <a:ext cx="180728" cy="297474"/>
-            </a:xfrm>
-            <a:prstGeom prst="rect">
-              <a:avLst/>
-            </a:prstGeom>
-            <a:noFill/>
-          </p:spPr>
-          <p:txBody>
-            <a:bodyPr wrap="square" rtlCol="0">
-              <a:spAutoFit/>
-            </a:bodyPr>
-            <a:lstStyle/>
-            <a:p>
-              <a:r>
-                <a:rPr lang="de-CH" dirty="0">
-                  <a:solidFill>
-                    <a:srgbClr val="FF0000"/>
-                  </a:solidFill>
-                </a:rPr>
-                <a:t>3</a:t>
-              </a:r>
-            </a:p>
-          </p:txBody>
-        </p:sp>
-        <p:sp>
-          <p:nvSpPr>
-            <p:cNvPr id="15" name="Textfeld 14">
-              <a:extLst>
-                <a:ext uri="{FF2B5EF4-FFF2-40B4-BE49-F238E27FC236}">
-                  <a16:creationId xmlns:a16="http://schemas.microsoft.com/office/drawing/2014/main" id="{EE4867E2-B55B-410F-9E54-075929EF40A7}"/>
-                </a:ext>
-              </a:extLst>
-            </p:cNvPr>
-            <p:cNvSpPr txBox="1"/>
-            <p:nvPr/>
-          </p:nvSpPr>
-          <p:spPr>
-            <a:xfrm>
-              <a:off x="456513" y="2673418"/>
-              <a:ext cx="180728" cy="297474"/>
-            </a:xfrm>
-            <a:prstGeom prst="rect">
-              <a:avLst/>
-            </a:prstGeom>
-            <a:noFill/>
-          </p:spPr>
-          <p:txBody>
-            <a:bodyPr wrap="square" rtlCol="0">
-              <a:spAutoFit/>
-            </a:bodyPr>
-            <a:lstStyle/>
-            <a:p>
-              <a:r>
-                <a:rPr lang="de-CH" dirty="0">
-                  <a:solidFill>
-                    <a:srgbClr val="FF0000"/>
-                  </a:solidFill>
-                </a:rPr>
-                <a:t>4</a:t>
-              </a:r>
-            </a:p>
-          </p:txBody>
-        </p:sp>
-        <p:sp>
-          <p:nvSpPr>
-            <p:cNvPr id="16" name="Textfeld 15">
-              <a:extLst>
-                <a:ext uri="{FF2B5EF4-FFF2-40B4-BE49-F238E27FC236}">
-                  <a16:creationId xmlns:a16="http://schemas.microsoft.com/office/drawing/2014/main" id="{215A3F74-6DB7-4E8F-A2AA-D4B1E33AAE39}"/>
-                </a:ext>
-              </a:extLst>
-            </p:cNvPr>
-            <p:cNvSpPr txBox="1"/>
-            <p:nvPr/>
-          </p:nvSpPr>
-          <p:spPr>
-            <a:xfrm>
-              <a:off x="439187" y="3489307"/>
-              <a:ext cx="180728" cy="297474"/>
-            </a:xfrm>
-            <a:prstGeom prst="rect">
-              <a:avLst/>
-            </a:prstGeom>
-            <a:noFill/>
-          </p:spPr>
-          <p:txBody>
-            <a:bodyPr wrap="square" rtlCol="0">
-              <a:spAutoFit/>
-            </a:bodyPr>
-            <a:lstStyle/>
-            <a:p>
-              <a:r>
-                <a:rPr lang="de-CH" dirty="0">
-                  <a:solidFill>
-                    <a:srgbClr val="FF0000"/>
-                  </a:solidFill>
-                </a:rPr>
-                <a:t>5</a:t>
-              </a:r>
-            </a:p>
-          </p:txBody>
-        </p:sp>
-        <p:sp>
-          <p:nvSpPr>
-            <p:cNvPr id="17" name="Textfeld 16">
-              <a:extLst>
-                <a:ext uri="{FF2B5EF4-FFF2-40B4-BE49-F238E27FC236}">
-                  <a16:creationId xmlns:a16="http://schemas.microsoft.com/office/drawing/2014/main" id="{035DB9CD-26A1-4F0B-9EE8-EB213C198822}"/>
-                </a:ext>
-              </a:extLst>
-            </p:cNvPr>
-            <p:cNvSpPr txBox="1"/>
-            <p:nvPr/>
-          </p:nvSpPr>
-          <p:spPr>
-            <a:xfrm>
-              <a:off x="704428" y="4209410"/>
-              <a:ext cx="180728" cy="297474"/>
-            </a:xfrm>
-            <a:prstGeom prst="rect">
-              <a:avLst/>
-            </a:prstGeom>
-            <a:noFill/>
-          </p:spPr>
-          <p:txBody>
-            <a:bodyPr wrap="square" rtlCol="0">
-              <a:spAutoFit/>
-            </a:bodyPr>
-            <a:lstStyle/>
-            <a:p>
-              <a:r>
-                <a:rPr lang="de-CH" dirty="0">
-                  <a:solidFill>
-                    <a:srgbClr val="FF0000"/>
-                  </a:solidFill>
-                </a:rPr>
-                <a:t>6</a:t>
-              </a:r>
-            </a:p>
-          </p:txBody>
-        </p:sp>
-        <p:sp>
-          <p:nvSpPr>
-            <p:cNvPr id="18" name="Textfeld 17">
-              <a:extLst>
-                <a:ext uri="{FF2B5EF4-FFF2-40B4-BE49-F238E27FC236}">
-                  <a16:creationId xmlns:a16="http://schemas.microsoft.com/office/drawing/2014/main" id="{65934631-B50C-4CF8-AE1E-4A357DF92ED9}"/>
-                </a:ext>
-              </a:extLst>
-            </p:cNvPr>
-            <p:cNvSpPr txBox="1"/>
-            <p:nvPr/>
-          </p:nvSpPr>
-          <p:spPr>
-            <a:xfrm>
-              <a:off x="1141776" y="4209410"/>
-              <a:ext cx="180728" cy="297474"/>
-            </a:xfrm>
-            <a:prstGeom prst="rect">
-              <a:avLst/>
-            </a:prstGeom>
-            <a:noFill/>
-          </p:spPr>
-          <p:txBody>
-            <a:bodyPr wrap="square" rtlCol="0">
-              <a:spAutoFit/>
-            </a:bodyPr>
-            <a:lstStyle/>
-            <a:p>
-              <a:r>
-                <a:rPr lang="de-CH" dirty="0">
-                  <a:solidFill>
-                    <a:srgbClr val="FF0000"/>
-                  </a:solidFill>
-                </a:rPr>
-                <a:t>7</a:t>
-              </a:r>
-            </a:p>
-          </p:txBody>
-        </p:sp>
-        <p:sp>
-          <p:nvSpPr>
-            <p:cNvPr id="19" name="Textfeld 18">
-              <a:extLst>
-                <a:ext uri="{FF2B5EF4-FFF2-40B4-BE49-F238E27FC236}">
-                  <a16:creationId xmlns:a16="http://schemas.microsoft.com/office/drawing/2014/main" id="{EA56E2B6-823B-4145-85EC-C5539230F7E6}"/>
-                </a:ext>
-              </a:extLst>
-            </p:cNvPr>
-            <p:cNvSpPr txBox="1"/>
-            <p:nvPr/>
-          </p:nvSpPr>
-          <p:spPr>
-            <a:xfrm>
-              <a:off x="1482790" y="2008490"/>
-              <a:ext cx="180728" cy="297474"/>
-            </a:xfrm>
-            <a:prstGeom prst="rect">
-              <a:avLst/>
-            </a:prstGeom>
-            <a:noFill/>
-          </p:spPr>
-          <p:txBody>
-            <a:bodyPr wrap="square" rtlCol="0">
-              <a:spAutoFit/>
-            </a:bodyPr>
-            <a:lstStyle/>
-            <a:p>
-              <a:r>
-                <a:rPr lang="de-CH" dirty="0">
-                  <a:solidFill>
-                    <a:srgbClr val="FF0000"/>
-                  </a:solidFill>
-                </a:rPr>
-                <a:t>8</a:t>
-              </a:r>
-            </a:p>
-          </p:txBody>
-        </p:sp>
-        <p:sp>
-          <p:nvSpPr>
-            <p:cNvPr id="20" name="Textfeld 19">
-              <a:extLst>
-                <a:ext uri="{FF2B5EF4-FFF2-40B4-BE49-F238E27FC236}">
-                  <a16:creationId xmlns:a16="http://schemas.microsoft.com/office/drawing/2014/main" id="{6B2463AB-2E4A-4AEF-9BC0-4B5E1B33487F}"/>
-                </a:ext>
-              </a:extLst>
-            </p:cNvPr>
-            <p:cNvSpPr txBox="1"/>
-            <p:nvPr/>
-          </p:nvSpPr>
-          <p:spPr>
-            <a:xfrm>
-              <a:off x="705080" y="5192839"/>
-              <a:ext cx="180728" cy="297474"/>
-            </a:xfrm>
-            <a:prstGeom prst="rect">
-              <a:avLst/>
-            </a:prstGeom>
-            <a:noFill/>
-          </p:spPr>
-          <p:txBody>
-            <a:bodyPr wrap="square" rtlCol="0">
-              <a:spAutoFit/>
-            </a:bodyPr>
-            <a:lstStyle/>
-            <a:p>
-              <a:r>
-                <a:rPr lang="de-CH" dirty="0">
-                  <a:solidFill>
-                    <a:srgbClr val="FF0000"/>
-                  </a:solidFill>
-                </a:rPr>
-                <a:t>9</a:t>
-              </a:r>
-            </a:p>
-          </p:txBody>
-        </p:sp>
-        <p:pic>
-          <p:nvPicPr>
-            <p:cNvPr id="22" name="Grafik 21">
-              <a:extLst>
-                <a:ext uri="{FF2B5EF4-FFF2-40B4-BE49-F238E27FC236}">
-                  <a16:creationId xmlns:a16="http://schemas.microsoft.com/office/drawing/2014/main" id="{78419FEB-8D23-44A0-AA83-971554F208A6}"/>
-                </a:ext>
-              </a:extLst>
-            </p:cNvPr>
-            <p:cNvPicPr>
-              <a:picLocks noChangeAspect="1"/>
-            </p:cNvPicPr>
-            <p:nvPr/>
-          </p:nvPicPr>
-          <p:blipFill rotWithShape="1">
-            <a:blip r:embed="rId3">
-              <a:extLst>
-                <a:ext uri="{28A0092B-C50C-407E-A947-70E740481C1C}">
-                  <a14:useLocalDpi xmlns:a14="http://schemas.microsoft.com/office/drawing/2010/main"/>
-                </a:ext>
-              </a:extLst>
-            </a:blip>
-            <a:srcRect/>
-            <a:stretch/>
-          </p:blipFill>
-          <p:spPr>
-            <a:xfrm>
-              <a:off x="2754784" y="26083"/>
-              <a:ext cx="1917274" cy="1885683"/>
-            </a:xfrm>
-            <a:prstGeom prst="rect">
-              <a:avLst/>
-            </a:prstGeom>
-          </p:spPr>
-        </p:pic>
-        <p:cxnSp>
-          <p:nvCxnSpPr>
-            <p:cNvPr id="27" name="Gerade Verbindung mit Pfeil 26">
-              <a:extLst>
-                <a:ext uri="{FF2B5EF4-FFF2-40B4-BE49-F238E27FC236}">
-                  <a16:creationId xmlns:a16="http://schemas.microsoft.com/office/drawing/2014/main" id="{2722270F-D6F5-4785-B46C-19D998633C3A}"/>
-                </a:ext>
-              </a:extLst>
-            </p:cNvPr>
-            <p:cNvCxnSpPr>
-              <a:cxnSpLocks/>
-            </p:cNvCxnSpPr>
-            <p:nvPr/>
-          </p:nvCxnSpPr>
-          <p:spPr>
-            <a:xfrm flipV="1">
-              <a:off x="1209675" y="734172"/>
-              <a:ext cx="1545109" cy="577328"/>
-            </a:xfrm>
-            <a:prstGeom prst="straightConnector1">
-              <a:avLst/>
-            </a:prstGeom>
-            <a:ln w="57150">
-              <a:solidFill>
-                <a:srgbClr val="FF0000"/>
-              </a:solidFill>
-              <a:tailEnd type="triangle"/>
-            </a:ln>
-          </p:spPr>
-          <p:style>
-            <a:lnRef idx="1">
-              <a:schemeClr val="accent1"/>
-            </a:lnRef>
-            <a:fillRef idx="0">
-              <a:schemeClr val="accent1"/>
-            </a:fillRef>
-            <a:effectRef idx="0">
-              <a:schemeClr val="accent1"/>
-            </a:effectRef>
-            <a:fontRef idx="minor">
-              <a:schemeClr val="tx1"/>
-            </a:fontRef>
-          </p:style>
-        </p:cxnSp>
-      </p:grpSp>
       <p:sp>
         <p:nvSpPr>
           <p:cNvPr id="21" name="Textfeld 20">
@@ -4700,10 +3788,2998 @@
           </a:p>
         </p:txBody>
       </p:sp>
+      <p:sp>
+        <p:nvSpPr>
+          <p:cNvPr id="30" name="Rechteck 29">
+            <a:extLst>
+              <a:ext uri="{FF2B5EF4-FFF2-40B4-BE49-F238E27FC236}">
+                <a16:creationId xmlns:a16="http://schemas.microsoft.com/office/drawing/2014/main" id="{19BFC5DE-3C59-4554-94AD-702D0A8BFBF8}"/>
+              </a:ext>
+            </a:extLst>
+          </p:cNvPr>
+          <p:cNvSpPr/>
+          <p:nvPr/>
+        </p:nvSpPr>
+        <p:spPr>
+          <a:xfrm>
+            <a:off x="135928" y="2956428"/>
+            <a:ext cx="306872" cy="294597"/>
+          </a:xfrm>
+          <a:prstGeom prst="rect">
+            <a:avLst/>
+          </a:prstGeom>
+          <a:noFill/>
+          <a:ln w="28575" cmpd="sng">
+            <a:solidFill>
+              <a:srgbClr val="FF0000"/>
+            </a:solidFill>
+          </a:ln>
+        </p:spPr>
+        <p:style>
+          <a:lnRef idx="2">
+            <a:schemeClr val="accent1">
+              <a:shade val="50000"/>
+            </a:schemeClr>
+          </a:lnRef>
+          <a:fillRef idx="1">
+            <a:schemeClr val="accent1"/>
+          </a:fillRef>
+          <a:effectRef idx="0">
+            <a:schemeClr val="accent1"/>
+          </a:effectRef>
+          <a:fontRef idx="minor">
+            <a:schemeClr val="lt1"/>
+          </a:fontRef>
+        </p:style>
+        <p:txBody>
+          <a:bodyPr rtlCol="0" anchor="ctr"/>
+          <a:lstStyle/>
+          <a:p>
+            <a:pPr algn="ctr"/>
+            <a:endParaRPr lang="de-CH" dirty="0"/>
+          </a:p>
+        </p:txBody>
+      </p:sp>
+      <p:sp>
+        <p:nvSpPr>
+          <p:cNvPr id="31" name="Rechteck 30">
+            <a:extLst>
+              <a:ext uri="{FF2B5EF4-FFF2-40B4-BE49-F238E27FC236}">
+                <a16:creationId xmlns:a16="http://schemas.microsoft.com/office/drawing/2014/main" id="{1A69E06B-81DE-4BFB-B206-1B8468653657}"/>
+              </a:ext>
+            </a:extLst>
+          </p:cNvPr>
+          <p:cNvSpPr/>
+          <p:nvPr/>
+        </p:nvSpPr>
+        <p:spPr>
+          <a:xfrm>
+            <a:off x="147754" y="3423595"/>
+            <a:ext cx="295045" cy="874085"/>
+          </a:xfrm>
+          <a:prstGeom prst="rect">
+            <a:avLst/>
+          </a:prstGeom>
+          <a:noFill/>
+          <a:ln w="28575" cmpd="sng">
+            <a:solidFill>
+              <a:srgbClr val="FF0000"/>
+            </a:solidFill>
+          </a:ln>
+        </p:spPr>
+        <p:style>
+          <a:lnRef idx="2">
+            <a:schemeClr val="accent1">
+              <a:shade val="50000"/>
+            </a:schemeClr>
+          </a:lnRef>
+          <a:fillRef idx="1">
+            <a:schemeClr val="accent1"/>
+          </a:fillRef>
+          <a:effectRef idx="0">
+            <a:schemeClr val="accent1"/>
+          </a:effectRef>
+          <a:fontRef idx="minor">
+            <a:schemeClr val="lt1"/>
+          </a:fontRef>
+        </p:style>
+        <p:txBody>
+          <a:bodyPr rtlCol="0" anchor="ctr"/>
+          <a:lstStyle/>
+          <a:p>
+            <a:pPr algn="ctr"/>
+            <a:endParaRPr lang="de-CH" dirty="0"/>
+          </a:p>
+        </p:txBody>
+      </p:sp>
+      <p:sp>
+        <p:nvSpPr>
+          <p:cNvPr id="34" name="Rechteck 33">
+            <a:extLst>
+              <a:ext uri="{FF2B5EF4-FFF2-40B4-BE49-F238E27FC236}">
+                <a16:creationId xmlns:a16="http://schemas.microsoft.com/office/drawing/2014/main" id="{1AB2E253-8111-4492-83FF-387BAF048A8E}"/>
+              </a:ext>
+            </a:extLst>
+          </p:cNvPr>
+          <p:cNvSpPr/>
+          <p:nvPr/>
+        </p:nvSpPr>
+        <p:spPr>
+          <a:xfrm>
+            <a:off x="442800" y="4770691"/>
+            <a:ext cx="271134" cy="275160"/>
+          </a:xfrm>
+          <a:prstGeom prst="rect">
+            <a:avLst/>
+          </a:prstGeom>
+          <a:noFill/>
+          <a:ln w="28575" cmpd="sng">
+            <a:solidFill>
+              <a:srgbClr val="FF0000"/>
+            </a:solidFill>
+          </a:ln>
+        </p:spPr>
+        <p:style>
+          <a:lnRef idx="2">
+            <a:schemeClr val="accent1">
+              <a:shade val="50000"/>
+            </a:schemeClr>
+          </a:lnRef>
+          <a:fillRef idx="1">
+            <a:schemeClr val="accent1"/>
+          </a:fillRef>
+          <a:effectRef idx="0">
+            <a:schemeClr val="accent1"/>
+          </a:effectRef>
+          <a:fontRef idx="minor">
+            <a:schemeClr val="lt1"/>
+          </a:fontRef>
+        </p:style>
+        <p:txBody>
+          <a:bodyPr rtlCol="0" anchor="ctr"/>
+          <a:lstStyle/>
+          <a:p>
+            <a:pPr algn="ctr"/>
+            <a:endParaRPr lang="de-CH" dirty="0"/>
+          </a:p>
+        </p:txBody>
+      </p:sp>
+      <p:sp>
+        <p:nvSpPr>
+          <p:cNvPr id="35" name="Rechteck 34">
+            <a:extLst>
+              <a:ext uri="{FF2B5EF4-FFF2-40B4-BE49-F238E27FC236}">
+                <a16:creationId xmlns:a16="http://schemas.microsoft.com/office/drawing/2014/main" id="{4F0C1862-5422-46E2-B114-227BD5555F01}"/>
+              </a:ext>
+            </a:extLst>
+          </p:cNvPr>
+          <p:cNvSpPr/>
+          <p:nvPr/>
+        </p:nvSpPr>
+        <p:spPr>
+          <a:xfrm>
+            <a:off x="147755" y="5246062"/>
+            <a:ext cx="517726" cy="598027"/>
+          </a:xfrm>
+          <a:prstGeom prst="rect">
+            <a:avLst/>
+          </a:prstGeom>
+          <a:noFill/>
+          <a:ln w="28575" cmpd="sng">
+            <a:solidFill>
+              <a:srgbClr val="FF0000"/>
+            </a:solidFill>
+          </a:ln>
+        </p:spPr>
+        <p:style>
+          <a:lnRef idx="2">
+            <a:schemeClr val="accent1">
+              <a:shade val="50000"/>
+            </a:schemeClr>
+          </a:lnRef>
+          <a:fillRef idx="1">
+            <a:schemeClr val="accent1"/>
+          </a:fillRef>
+          <a:effectRef idx="0">
+            <a:schemeClr val="accent1"/>
+          </a:effectRef>
+          <a:fontRef idx="minor">
+            <a:schemeClr val="lt1"/>
+          </a:fontRef>
+        </p:style>
+        <p:txBody>
+          <a:bodyPr rtlCol="0" anchor="ctr"/>
+          <a:lstStyle/>
+          <a:p>
+            <a:pPr algn="ctr"/>
+            <a:endParaRPr lang="de-CH" dirty="0"/>
+          </a:p>
+        </p:txBody>
+      </p:sp>
+      <p:sp>
+        <p:nvSpPr>
+          <p:cNvPr id="36" name="Rechteck 35">
+            <a:extLst>
+              <a:ext uri="{FF2B5EF4-FFF2-40B4-BE49-F238E27FC236}">
+                <a16:creationId xmlns:a16="http://schemas.microsoft.com/office/drawing/2014/main" id="{E0883579-23C9-482A-B99D-0556428F1732}"/>
+              </a:ext>
+            </a:extLst>
+          </p:cNvPr>
+          <p:cNvSpPr/>
+          <p:nvPr/>
+        </p:nvSpPr>
+        <p:spPr>
+          <a:xfrm>
+            <a:off x="786425" y="1203961"/>
+            <a:ext cx="327393" cy="343238"/>
+          </a:xfrm>
+          <a:prstGeom prst="rect">
+            <a:avLst/>
+          </a:prstGeom>
+          <a:noFill/>
+          <a:ln w="28575" cmpd="sng">
+            <a:solidFill>
+              <a:srgbClr val="FF0000"/>
+            </a:solidFill>
+          </a:ln>
+        </p:spPr>
+        <p:style>
+          <a:lnRef idx="2">
+            <a:schemeClr val="accent1">
+              <a:shade val="50000"/>
+            </a:schemeClr>
+          </a:lnRef>
+          <a:fillRef idx="1">
+            <a:schemeClr val="accent1"/>
+          </a:fillRef>
+          <a:effectRef idx="0">
+            <a:schemeClr val="accent1"/>
+          </a:effectRef>
+          <a:fontRef idx="minor">
+            <a:schemeClr val="lt1"/>
+          </a:fontRef>
+        </p:style>
+        <p:txBody>
+          <a:bodyPr rtlCol="0" anchor="ctr"/>
+          <a:lstStyle/>
+          <a:p>
+            <a:pPr algn="ctr"/>
+            <a:endParaRPr lang="de-CH" dirty="0"/>
+          </a:p>
+        </p:txBody>
+      </p:sp>
+      <p:sp>
+        <p:nvSpPr>
+          <p:cNvPr id="37" name="Rechteck 36">
+            <a:extLst>
+              <a:ext uri="{FF2B5EF4-FFF2-40B4-BE49-F238E27FC236}">
+                <a16:creationId xmlns:a16="http://schemas.microsoft.com/office/drawing/2014/main" id="{EDCA81D0-F4AC-4A42-97A5-6FBF8D2081E2}"/>
+              </a:ext>
+            </a:extLst>
+          </p:cNvPr>
+          <p:cNvSpPr/>
+          <p:nvPr/>
+        </p:nvSpPr>
+        <p:spPr>
+          <a:xfrm>
+            <a:off x="63062" y="1936271"/>
+            <a:ext cx="1797375" cy="163665"/>
+          </a:xfrm>
+          <a:prstGeom prst="rect">
+            <a:avLst/>
+          </a:prstGeom>
+          <a:noFill/>
+          <a:ln w="28575" cmpd="sng">
+            <a:solidFill>
+              <a:srgbClr val="FF0000"/>
+            </a:solidFill>
+          </a:ln>
+        </p:spPr>
+        <p:style>
+          <a:lnRef idx="2">
+            <a:schemeClr val="accent1">
+              <a:shade val="50000"/>
+            </a:schemeClr>
+          </a:lnRef>
+          <a:fillRef idx="1">
+            <a:schemeClr val="accent1"/>
+          </a:fillRef>
+          <a:effectRef idx="0">
+            <a:schemeClr val="accent1"/>
+          </a:effectRef>
+          <a:fontRef idx="minor">
+            <a:schemeClr val="lt1"/>
+          </a:fontRef>
+        </p:style>
+        <p:txBody>
+          <a:bodyPr rtlCol="0" anchor="ctr"/>
+          <a:lstStyle/>
+          <a:p>
+            <a:pPr algn="ctr"/>
+            <a:endParaRPr lang="de-CH" dirty="0"/>
+          </a:p>
+        </p:txBody>
+      </p:sp>
+      <p:sp>
+        <p:nvSpPr>
+          <p:cNvPr id="38" name="Rechteck 37">
+            <a:extLst>
+              <a:ext uri="{FF2B5EF4-FFF2-40B4-BE49-F238E27FC236}">
+                <a16:creationId xmlns:a16="http://schemas.microsoft.com/office/drawing/2014/main" id="{5E99E981-179A-41A4-A972-DED871E37221}"/>
+              </a:ext>
+            </a:extLst>
+          </p:cNvPr>
+          <p:cNvSpPr/>
+          <p:nvPr/>
+        </p:nvSpPr>
+        <p:spPr>
+          <a:xfrm>
+            <a:off x="797396" y="1544914"/>
+            <a:ext cx="511395" cy="391358"/>
+          </a:xfrm>
+          <a:prstGeom prst="rect">
+            <a:avLst/>
+          </a:prstGeom>
+          <a:noFill/>
+          <a:ln w="28575" cmpd="sng">
+            <a:solidFill>
+              <a:srgbClr val="FF0000"/>
+            </a:solidFill>
+          </a:ln>
+        </p:spPr>
+        <p:style>
+          <a:lnRef idx="2">
+            <a:schemeClr val="accent1">
+              <a:shade val="50000"/>
+            </a:schemeClr>
+          </a:lnRef>
+          <a:fillRef idx="1">
+            <a:schemeClr val="accent1"/>
+          </a:fillRef>
+          <a:effectRef idx="0">
+            <a:schemeClr val="accent1"/>
+          </a:effectRef>
+          <a:fontRef idx="minor">
+            <a:schemeClr val="lt1"/>
+          </a:fontRef>
+        </p:style>
+        <p:txBody>
+          <a:bodyPr rtlCol="0" anchor="ctr"/>
+          <a:lstStyle/>
+          <a:p>
+            <a:pPr algn="ctr"/>
+            <a:endParaRPr lang="de-CH" dirty="0"/>
+          </a:p>
+        </p:txBody>
+      </p:sp>
+      <p:sp>
+        <p:nvSpPr>
+          <p:cNvPr id="39" name="Rechteck 38">
+            <a:extLst>
+              <a:ext uri="{FF2B5EF4-FFF2-40B4-BE49-F238E27FC236}">
+                <a16:creationId xmlns:a16="http://schemas.microsoft.com/office/drawing/2014/main" id="{4AA08E72-8D0E-48DD-9A6C-83ADAB12B005}"/>
+              </a:ext>
+            </a:extLst>
+          </p:cNvPr>
+          <p:cNvSpPr/>
+          <p:nvPr/>
+        </p:nvSpPr>
+        <p:spPr>
+          <a:xfrm>
+            <a:off x="871443" y="2174120"/>
+            <a:ext cx="306872" cy="294597"/>
+          </a:xfrm>
+          <a:prstGeom prst="rect">
+            <a:avLst/>
+          </a:prstGeom>
+          <a:noFill/>
+          <a:ln w="28575" cmpd="sng">
+            <a:solidFill>
+              <a:srgbClr val="FF0000"/>
+            </a:solidFill>
+          </a:ln>
+        </p:spPr>
+        <p:style>
+          <a:lnRef idx="2">
+            <a:schemeClr val="accent1">
+              <a:shade val="50000"/>
+            </a:schemeClr>
+          </a:lnRef>
+          <a:fillRef idx="1">
+            <a:schemeClr val="accent1"/>
+          </a:fillRef>
+          <a:effectRef idx="0">
+            <a:schemeClr val="accent1"/>
+          </a:effectRef>
+          <a:fontRef idx="minor">
+            <a:schemeClr val="lt1"/>
+          </a:fontRef>
+        </p:style>
+        <p:txBody>
+          <a:bodyPr rtlCol="0" anchor="ctr"/>
+          <a:lstStyle/>
+          <a:p>
+            <a:pPr algn="ctr"/>
+            <a:endParaRPr lang="de-CH" dirty="0"/>
+          </a:p>
+        </p:txBody>
+      </p:sp>
+      <p:sp>
+        <p:nvSpPr>
+          <p:cNvPr id="40" name="Textfeld 39">
+            <a:extLst>
+              <a:ext uri="{FF2B5EF4-FFF2-40B4-BE49-F238E27FC236}">
+                <a16:creationId xmlns:a16="http://schemas.microsoft.com/office/drawing/2014/main" id="{A9394A9D-3B90-47F5-8589-1131FE3650B3}"/>
+              </a:ext>
+            </a:extLst>
+          </p:cNvPr>
+          <p:cNvSpPr txBox="1"/>
+          <p:nvPr/>
+        </p:nvSpPr>
+        <p:spPr>
+          <a:xfrm>
+            <a:off x="521530" y="1054676"/>
+            <a:ext cx="180728" cy="297474"/>
+          </a:xfrm>
+          <a:prstGeom prst="rect">
+            <a:avLst/>
+          </a:prstGeom>
+          <a:noFill/>
+        </p:spPr>
+        <p:txBody>
+          <a:bodyPr wrap="square" rtlCol="0">
+            <a:spAutoFit/>
+          </a:bodyPr>
+          <a:lstStyle/>
+          <a:p>
+            <a:r>
+              <a:rPr lang="de-CH" dirty="0">
+                <a:solidFill>
+                  <a:srgbClr val="FF0000"/>
+                </a:solidFill>
+              </a:rPr>
+              <a:t>1</a:t>
+            </a:r>
+          </a:p>
+        </p:txBody>
+      </p:sp>
+      <p:sp>
+        <p:nvSpPr>
+          <p:cNvPr id="41" name="Textfeld 40">
+            <a:extLst>
+              <a:ext uri="{FF2B5EF4-FFF2-40B4-BE49-F238E27FC236}">
+                <a16:creationId xmlns:a16="http://schemas.microsoft.com/office/drawing/2014/main" id="{63E7C0AF-1B08-4FFC-9A32-E0607949D506}"/>
+              </a:ext>
+            </a:extLst>
+          </p:cNvPr>
+          <p:cNvSpPr txBox="1"/>
+          <p:nvPr/>
+        </p:nvSpPr>
+        <p:spPr>
+          <a:xfrm>
+            <a:off x="1817816" y="1826088"/>
+            <a:ext cx="180728" cy="297474"/>
+          </a:xfrm>
+          <a:prstGeom prst="rect">
+            <a:avLst/>
+          </a:prstGeom>
+          <a:noFill/>
+        </p:spPr>
+        <p:txBody>
+          <a:bodyPr wrap="square" rtlCol="0">
+            <a:spAutoFit/>
+          </a:bodyPr>
+          <a:lstStyle/>
+          <a:p>
+            <a:r>
+              <a:rPr lang="de-CH" dirty="0">
+                <a:solidFill>
+                  <a:srgbClr val="FF0000"/>
+                </a:solidFill>
+              </a:rPr>
+              <a:t>2</a:t>
+            </a:r>
+          </a:p>
+        </p:txBody>
+      </p:sp>
+      <p:sp>
+        <p:nvSpPr>
+          <p:cNvPr id="42" name="Textfeld 41">
+            <a:extLst>
+              <a:ext uri="{FF2B5EF4-FFF2-40B4-BE49-F238E27FC236}">
+                <a16:creationId xmlns:a16="http://schemas.microsoft.com/office/drawing/2014/main" id="{D2E00F77-597B-4ACE-89BC-894590B5718B}"/>
+              </a:ext>
+            </a:extLst>
+          </p:cNvPr>
+          <p:cNvSpPr txBox="1"/>
+          <p:nvPr/>
+        </p:nvSpPr>
+        <p:spPr>
+          <a:xfrm>
+            <a:off x="1269244" y="1532255"/>
+            <a:ext cx="180728" cy="297474"/>
+          </a:xfrm>
+          <a:prstGeom prst="rect">
+            <a:avLst/>
+          </a:prstGeom>
+          <a:noFill/>
+        </p:spPr>
+        <p:txBody>
+          <a:bodyPr wrap="square" rtlCol="0">
+            <a:spAutoFit/>
+          </a:bodyPr>
+          <a:lstStyle/>
+          <a:p>
+            <a:r>
+              <a:rPr lang="de-CH" dirty="0">
+                <a:solidFill>
+                  <a:srgbClr val="FF0000"/>
+                </a:solidFill>
+              </a:rPr>
+              <a:t>3</a:t>
+            </a:r>
+          </a:p>
+        </p:txBody>
+      </p:sp>
+      <p:sp>
+        <p:nvSpPr>
+          <p:cNvPr id="43" name="Textfeld 42">
+            <a:extLst>
+              <a:ext uri="{FF2B5EF4-FFF2-40B4-BE49-F238E27FC236}">
+                <a16:creationId xmlns:a16="http://schemas.microsoft.com/office/drawing/2014/main" id="{34DAB82E-15AA-4CBC-B8E2-FA8F42515F59}"/>
+              </a:ext>
+            </a:extLst>
+          </p:cNvPr>
+          <p:cNvSpPr txBox="1"/>
+          <p:nvPr/>
+        </p:nvSpPr>
+        <p:spPr>
+          <a:xfrm>
+            <a:off x="376476" y="2783857"/>
+            <a:ext cx="180728" cy="297474"/>
+          </a:xfrm>
+          <a:prstGeom prst="rect">
+            <a:avLst/>
+          </a:prstGeom>
+          <a:noFill/>
+        </p:spPr>
+        <p:txBody>
+          <a:bodyPr wrap="square" rtlCol="0">
+            <a:spAutoFit/>
+          </a:bodyPr>
+          <a:lstStyle/>
+          <a:p>
+            <a:r>
+              <a:rPr lang="de-CH" dirty="0">
+                <a:solidFill>
+                  <a:srgbClr val="FF0000"/>
+                </a:solidFill>
+              </a:rPr>
+              <a:t>4</a:t>
+            </a:r>
+          </a:p>
+        </p:txBody>
+      </p:sp>
+      <p:sp>
+        <p:nvSpPr>
+          <p:cNvPr id="44" name="Textfeld 43">
+            <a:extLst>
+              <a:ext uri="{FF2B5EF4-FFF2-40B4-BE49-F238E27FC236}">
+                <a16:creationId xmlns:a16="http://schemas.microsoft.com/office/drawing/2014/main" id="{B4080A17-FCA2-4B5A-A0A8-2DCBE31F4180}"/>
+              </a:ext>
+            </a:extLst>
+          </p:cNvPr>
+          <p:cNvSpPr txBox="1"/>
+          <p:nvPr/>
+        </p:nvSpPr>
+        <p:spPr>
+          <a:xfrm>
+            <a:off x="374983" y="3524608"/>
+            <a:ext cx="180728" cy="297474"/>
+          </a:xfrm>
+          <a:prstGeom prst="rect">
+            <a:avLst/>
+          </a:prstGeom>
+          <a:noFill/>
+        </p:spPr>
+        <p:txBody>
+          <a:bodyPr wrap="square" rtlCol="0">
+            <a:spAutoFit/>
+          </a:bodyPr>
+          <a:lstStyle/>
+          <a:p>
+            <a:r>
+              <a:rPr lang="de-CH" dirty="0">
+                <a:solidFill>
+                  <a:srgbClr val="FF0000"/>
+                </a:solidFill>
+              </a:rPr>
+              <a:t>5</a:t>
+            </a:r>
+          </a:p>
+        </p:txBody>
+      </p:sp>
+      <p:sp>
+        <p:nvSpPr>
+          <p:cNvPr id="45" name="Textfeld 44">
+            <a:extLst>
+              <a:ext uri="{FF2B5EF4-FFF2-40B4-BE49-F238E27FC236}">
+                <a16:creationId xmlns:a16="http://schemas.microsoft.com/office/drawing/2014/main" id="{E113A964-A0CF-4D51-B478-E82840CC073C}"/>
+              </a:ext>
+            </a:extLst>
+          </p:cNvPr>
+          <p:cNvSpPr txBox="1"/>
+          <p:nvPr/>
+        </p:nvSpPr>
+        <p:spPr>
+          <a:xfrm>
+            <a:off x="690715" y="4183327"/>
+            <a:ext cx="180728" cy="297474"/>
+          </a:xfrm>
+          <a:prstGeom prst="rect">
+            <a:avLst/>
+          </a:prstGeom>
+          <a:noFill/>
+        </p:spPr>
+        <p:txBody>
+          <a:bodyPr wrap="square" rtlCol="0">
+            <a:spAutoFit/>
+          </a:bodyPr>
+          <a:lstStyle/>
+          <a:p>
+            <a:r>
+              <a:rPr lang="de-CH" dirty="0">
+                <a:solidFill>
+                  <a:srgbClr val="FF0000"/>
+                </a:solidFill>
+              </a:rPr>
+              <a:t>6</a:t>
+            </a:r>
+          </a:p>
+        </p:txBody>
+      </p:sp>
+      <p:sp>
+        <p:nvSpPr>
+          <p:cNvPr id="46" name="Textfeld 45">
+            <a:extLst>
+              <a:ext uri="{FF2B5EF4-FFF2-40B4-BE49-F238E27FC236}">
+                <a16:creationId xmlns:a16="http://schemas.microsoft.com/office/drawing/2014/main" id="{41D609A3-4BFC-4128-B41D-F475DA028704}"/>
+              </a:ext>
+            </a:extLst>
+          </p:cNvPr>
+          <p:cNvSpPr txBox="1"/>
+          <p:nvPr/>
+        </p:nvSpPr>
+        <p:spPr>
+          <a:xfrm>
+            <a:off x="665481" y="4756694"/>
+            <a:ext cx="180728" cy="297474"/>
+          </a:xfrm>
+          <a:prstGeom prst="rect">
+            <a:avLst/>
+          </a:prstGeom>
+          <a:noFill/>
+        </p:spPr>
+        <p:txBody>
+          <a:bodyPr wrap="square" rtlCol="0">
+            <a:spAutoFit/>
+          </a:bodyPr>
+          <a:lstStyle/>
+          <a:p>
+            <a:r>
+              <a:rPr lang="de-CH" dirty="0">
+                <a:solidFill>
+                  <a:srgbClr val="FF0000"/>
+                </a:solidFill>
+              </a:rPr>
+              <a:t>7</a:t>
+            </a:r>
+          </a:p>
+        </p:txBody>
+      </p:sp>
+      <p:sp>
+        <p:nvSpPr>
+          <p:cNvPr id="47" name="Textfeld 46">
+            <a:extLst>
+              <a:ext uri="{FF2B5EF4-FFF2-40B4-BE49-F238E27FC236}">
+                <a16:creationId xmlns:a16="http://schemas.microsoft.com/office/drawing/2014/main" id="{DDD177C4-C25A-43FD-A685-AB969E8049D2}"/>
+              </a:ext>
+            </a:extLst>
+          </p:cNvPr>
+          <p:cNvSpPr txBox="1"/>
+          <p:nvPr/>
+        </p:nvSpPr>
+        <p:spPr>
+          <a:xfrm>
+            <a:off x="897383" y="2404504"/>
+            <a:ext cx="180728" cy="297474"/>
+          </a:xfrm>
+          <a:prstGeom prst="rect">
+            <a:avLst/>
+          </a:prstGeom>
+          <a:noFill/>
+        </p:spPr>
+        <p:txBody>
+          <a:bodyPr wrap="square" rtlCol="0">
+            <a:spAutoFit/>
+          </a:bodyPr>
+          <a:lstStyle/>
+          <a:p>
+            <a:r>
+              <a:rPr lang="de-CH" dirty="0">
+                <a:solidFill>
+                  <a:srgbClr val="FF0000"/>
+                </a:solidFill>
+              </a:rPr>
+              <a:t>8</a:t>
+            </a:r>
+          </a:p>
+        </p:txBody>
+      </p:sp>
+      <p:sp>
+        <p:nvSpPr>
+          <p:cNvPr id="48" name="Textfeld 47">
+            <a:extLst>
+              <a:ext uri="{FF2B5EF4-FFF2-40B4-BE49-F238E27FC236}">
+                <a16:creationId xmlns:a16="http://schemas.microsoft.com/office/drawing/2014/main" id="{FDBA04C4-FCFF-436F-884A-2C7A2BFE64C0}"/>
+              </a:ext>
+            </a:extLst>
+          </p:cNvPr>
+          <p:cNvSpPr txBox="1"/>
+          <p:nvPr/>
+        </p:nvSpPr>
+        <p:spPr>
+          <a:xfrm>
+            <a:off x="618671" y="5383801"/>
+            <a:ext cx="180728" cy="297474"/>
+          </a:xfrm>
+          <a:prstGeom prst="rect">
+            <a:avLst/>
+          </a:prstGeom>
+          <a:noFill/>
+        </p:spPr>
+        <p:txBody>
+          <a:bodyPr wrap="square" rtlCol="0">
+            <a:spAutoFit/>
+          </a:bodyPr>
+          <a:lstStyle/>
+          <a:p>
+            <a:r>
+              <a:rPr lang="de-CH" dirty="0">
+                <a:solidFill>
+                  <a:srgbClr val="FF0000"/>
+                </a:solidFill>
+              </a:rPr>
+              <a:t>9</a:t>
+            </a:r>
+          </a:p>
+        </p:txBody>
+      </p:sp>
+      <p:pic>
+        <p:nvPicPr>
+          <p:cNvPr id="49" name="Grafik 48">
+            <a:extLst>
+              <a:ext uri="{FF2B5EF4-FFF2-40B4-BE49-F238E27FC236}">
+                <a16:creationId xmlns:a16="http://schemas.microsoft.com/office/drawing/2014/main" id="{AF881B78-2BD9-4F0C-930C-AF4A99CF5B6D}"/>
+              </a:ext>
+            </a:extLst>
+          </p:cNvPr>
+          <p:cNvPicPr>
+            <a:picLocks noChangeAspect="1"/>
+          </p:cNvPicPr>
+          <p:nvPr/>
+        </p:nvPicPr>
+        <p:blipFill rotWithShape="1">
+          <a:blip r:embed="rId3">
+            <a:extLst>
+              <a:ext uri="{28A0092B-C50C-407E-A947-70E740481C1C}">
+                <a14:useLocalDpi xmlns:a14="http://schemas.microsoft.com/office/drawing/2010/main"/>
+              </a:ext>
+            </a:extLst>
+          </a:blip>
+          <a:srcRect/>
+          <a:stretch/>
+        </p:blipFill>
+        <p:spPr>
+          <a:xfrm>
+            <a:off x="2707444" y="163526"/>
+            <a:ext cx="1917274" cy="1885683"/>
+          </a:xfrm>
+          <a:prstGeom prst="rect">
+            <a:avLst/>
+          </a:prstGeom>
+        </p:spPr>
+      </p:pic>
+      <p:cxnSp>
+        <p:nvCxnSpPr>
+          <p:cNvPr id="50" name="Gerade Verbindung mit Pfeil 49">
+            <a:extLst>
+              <a:ext uri="{FF2B5EF4-FFF2-40B4-BE49-F238E27FC236}">
+                <a16:creationId xmlns:a16="http://schemas.microsoft.com/office/drawing/2014/main" id="{F74A9DCF-25AF-4379-8D3A-2C79FDBCA02A}"/>
+              </a:ext>
+            </a:extLst>
+          </p:cNvPr>
+          <p:cNvCxnSpPr>
+            <a:cxnSpLocks/>
+          </p:cNvCxnSpPr>
+          <p:nvPr/>
+        </p:nvCxnSpPr>
+        <p:spPr>
+          <a:xfrm flipV="1">
+            <a:off x="1113818" y="751687"/>
+            <a:ext cx="1598902" cy="460142"/>
+          </a:xfrm>
+          <a:prstGeom prst="straightConnector1">
+            <a:avLst/>
+          </a:prstGeom>
+          <a:ln w="57150">
+            <a:solidFill>
+              <a:srgbClr val="FF0000"/>
+            </a:solidFill>
+            <a:tailEnd type="triangle"/>
+          </a:ln>
+        </p:spPr>
+        <p:style>
+          <a:lnRef idx="1">
+            <a:schemeClr val="accent1"/>
+          </a:lnRef>
+          <a:fillRef idx="0">
+            <a:schemeClr val="accent1"/>
+          </a:fillRef>
+          <a:effectRef idx="0">
+            <a:schemeClr val="accent1"/>
+          </a:effectRef>
+          <a:fontRef idx="minor">
+            <a:schemeClr val="tx1"/>
+          </a:fontRef>
+        </p:style>
+      </p:cxnSp>
+      <p:sp>
+        <p:nvSpPr>
+          <p:cNvPr id="55" name="Rechteck 54">
+            <a:extLst>
+              <a:ext uri="{FF2B5EF4-FFF2-40B4-BE49-F238E27FC236}">
+                <a16:creationId xmlns:a16="http://schemas.microsoft.com/office/drawing/2014/main" id="{196B60B2-55EA-461F-A137-E2301C0DD1C5}"/>
+              </a:ext>
+            </a:extLst>
+          </p:cNvPr>
+          <p:cNvSpPr/>
+          <p:nvPr/>
+        </p:nvSpPr>
+        <p:spPr>
+          <a:xfrm>
+            <a:off x="1199302" y="2174120"/>
+            <a:ext cx="306872" cy="294597"/>
+          </a:xfrm>
+          <a:prstGeom prst="rect">
+            <a:avLst/>
+          </a:prstGeom>
+          <a:noFill/>
+          <a:ln w="28575" cmpd="sng">
+            <a:solidFill>
+              <a:srgbClr val="FF0000"/>
+            </a:solidFill>
+          </a:ln>
+        </p:spPr>
+        <p:style>
+          <a:lnRef idx="2">
+            <a:schemeClr val="accent1">
+              <a:shade val="50000"/>
+            </a:schemeClr>
+          </a:lnRef>
+          <a:fillRef idx="1">
+            <a:schemeClr val="accent1"/>
+          </a:fillRef>
+          <a:effectRef idx="0">
+            <a:schemeClr val="accent1"/>
+          </a:effectRef>
+          <a:fontRef idx="minor">
+            <a:schemeClr val="lt1"/>
+          </a:fontRef>
+        </p:style>
+        <p:txBody>
+          <a:bodyPr rtlCol="0" anchor="ctr"/>
+          <a:lstStyle/>
+          <a:p>
+            <a:pPr algn="ctr"/>
+            <a:endParaRPr lang="de-CH" dirty="0"/>
+          </a:p>
+        </p:txBody>
+      </p:sp>
+      <p:cxnSp>
+        <p:nvCxnSpPr>
+          <p:cNvPr id="56" name="Gerade Verbindung mit Pfeil 55">
+            <a:extLst>
+              <a:ext uri="{FF2B5EF4-FFF2-40B4-BE49-F238E27FC236}">
+                <a16:creationId xmlns:a16="http://schemas.microsoft.com/office/drawing/2014/main" id="{9BA33DFA-043F-4BF1-A4AC-460BBFBF06B0}"/>
+              </a:ext>
+            </a:extLst>
+          </p:cNvPr>
+          <p:cNvCxnSpPr>
+            <a:cxnSpLocks/>
+          </p:cNvCxnSpPr>
+          <p:nvPr/>
+        </p:nvCxnSpPr>
+        <p:spPr>
+          <a:xfrm flipH="1" flipV="1">
+            <a:off x="1986219" y="1507108"/>
+            <a:ext cx="183782" cy="409322"/>
+          </a:xfrm>
+          <a:prstGeom prst="straightConnector1">
+            <a:avLst/>
+          </a:prstGeom>
+          <a:ln w="57150">
+            <a:solidFill>
+              <a:srgbClr val="FF0000"/>
+            </a:solidFill>
+            <a:tailEnd type="triangle"/>
+          </a:ln>
+        </p:spPr>
+        <p:style>
+          <a:lnRef idx="1">
+            <a:schemeClr val="accent1"/>
+          </a:lnRef>
+          <a:fillRef idx="0">
+            <a:schemeClr val="accent1"/>
+          </a:fillRef>
+          <a:effectRef idx="0">
+            <a:schemeClr val="accent1"/>
+          </a:effectRef>
+          <a:fontRef idx="minor">
+            <a:schemeClr val="tx1"/>
+          </a:fontRef>
+        </p:style>
+      </p:cxnSp>
+      <p:cxnSp>
+        <p:nvCxnSpPr>
+          <p:cNvPr id="59" name="Gerader Verbinder 58">
+            <a:extLst>
+              <a:ext uri="{FF2B5EF4-FFF2-40B4-BE49-F238E27FC236}">
+                <a16:creationId xmlns:a16="http://schemas.microsoft.com/office/drawing/2014/main" id="{8D365763-3255-4443-A55C-0832F44C6376}"/>
+              </a:ext>
+            </a:extLst>
+          </p:cNvPr>
+          <p:cNvCxnSpPr>
+            <a:cxnSpLocks/>
+          </p:cNvCxnSpPr>
+          <p:nvPr/>
+        </p:nvCxnSpPr>
+        <p:spPr>
+          <a:xfrm flipV="1">
+            <a:off x="1502776" y="2206478"/>
+            <a:ext cx="677060" cy="104984"/>
+          </a:xfrm>
+          <a:prstGeom prst="line">
+            <a:avLst/>
+          </a:prstGeom>
+          <a:ln w="57150">
+            <a:solidFill>
+              <a:srgbClr val="FF0000"/>
+            </a:solidFill>
+          </a:ln>
+        </p:spPr>
+        <p:style>
+          <a:lnRef idx="1">
+            <a:schemeClr val="accent1"/>
+          </a:lnRef>
+          <a:fillRef idx="0">
+            <a:schemeClr val="accent1"/>
+          </a:fillRef>
+          <a:effectRef idx="0">
+            <a:schemeClr val="accent1"/>
+          </a:effectRef>
+          <a:fontRef idx="minor">
+            <a:schemeClr val="tx1"/>
+          </a:fontRef>
+        </p:style>
+      </p:cxnSp>
+      <p:cxnSp>
+        <p:nvCxnSpPr>
+          <p:cNvPr id="66" name="Gerader Verbinder 65">
+            <a:extLst>
+              <a:ext uri="{FF2B5EF4-FFF2-40B4-BE49-F238E27FC236}">
+                <a16:creationId xmlns:a16="http://schemas.microsoft.com/office/drawing/2014/main" id="{4C1C5CD3-B99A-46A9-89A4-A0F5B240CB56}"/>
+              </a:ext>
+            </a:extLst>
+          </p:cNvPr>
+          <p:cNvCxnSpPr>
+            <a:cxnSpLocks/>
+          </p:cNvCxnSpPr>
+          <p:nvPr/>
+        </p:nvCxnSpPr>
+        <p:spPr>
+          <a:xfrm flipV="1">
+            <a:off x="2170001" y="1902462"/>
+            <a:ext cx="0" cy="334868"/>
+          </a:xfrm>
+          <a:prstGeom prst="line">
+            <a:avLst/>
+          </a:prstGeom>
+          <a:ln w="57150">
+            <a:solidFill>
+              <a:srgbClr val="FF0000"/>
+            </a:solidFill>
+          </a:ln>
+        </p:spPr>
+        <p:style>
+          <a:lnRef idx="1">
+            <a:schemeClr val="accent1"/>
+          </a:lnRef>
+          <a:fillRef idx="0">
+            <a:schemeClr val="accent1"/>
+          </a:fillRef>
+          <a:effectRef idx="0">
+            <a:schemeClr val="accent1"/>
+          </a:effectRef>
+          <a:fontRef idx="minor">
+            <a:schemeClr val="tx1"/>
+          </a:fontRef>
+        </p:style>
+      </p:cxnSp>
+      <p:sp>
+        <p:nvSpPr>
+          <p:cNvPr id="72" name="Freihandform: Form 71">
+            <a:extLst>
+              <a:ext uri="{FF2B5EF4-FFF2-40B4-BE49-F238E27FC236}">
+                <a16:creationId xmlns:a16="http://schemas.microsoft.com/office/drawing/2014/main" id="{D7CFF3D4-60AD-432B-B9B3-F39FFA7BE4F3}"/>
+              </a:ext>
+            </a:extLst>
+          </p:cNvPr>
+          <p:cNvSpPr/>
+          <p:nvPr/>
+        </p:nvSpPr>
+        <p:spPr>
+          <a:xfrm>
+            <a:off x="147755" y="4485184"/>
+            <a:ext cx="1473200" cy="558800"/>
+          </a:xfrm>
+          <a:custGeom>
+            <a:avLst/>
+            <a:gdLst>
+              <a:gd name="connsiteX0" fmla="*/ 0 w 1473200"/>
+              <a:gd name="connsiteY0" fmla="*/ 0 h 558800"/>
+              <a:gd name="connsiteX1" fmla="*/ 10160 w 1473200"/>
+              <a:gd name="connsiteY1" fmla="*/ 556260 h 558800"/>
+              <a:gd name="connsiteX2" fmla="*/ 276860 w 1473200"/>
+              <a:gd name="connsiteY2" fmla="*/ 558800 h 558800"/>
+              <a:gd name="connsiteX3" fmla="*/ 279400 w 1473200"/>
+              <a:gd name="connsiteY3" fmla="*/ 281940 h 558800"/>
+              <a:gd name="connsiteX4" fmla="*/ 1473200 w 1473200"/>
+              <a:gd name="connsiteY4" fmla="*/ 279400 h 558800"/>
+              <a:gd name="connsiteX5" fmla="*/ 1465580 w 1473200"/>
+              <a:gd name="connsiteY5" fmla="*/ 7620 h 558800"/>
+              <a:gd name="connsiteX6" fmla="*/ 0 w 1473200"/>
+              <a:gd name="connsiteY6" fmla="*/ 0 h 558800"/>
+            </a:gdLst>
+            <a:ahLst/>
+            <a:cxnLst>
+              <a:cxn ang="0">
+                <a:pos x="connsiteX0" y="connsiteY0"/>
+              </a:cxn>
+              <a:cxn ang="0">
+                <a:pos x="connsiteX1" y="connsiteY1"/>
+              </a:cxn>
+              <a:cxn ang="0">
+                <a:pos x="connsiteX2" y="connsiteY2"/>
+              </a:cxn>
+              <a:cxn ang="0">
+                <a:pos x="connsiteX3" y="connsiteY3"/>
+              </a:cxn>
+              <a:cxn ang="0">
+                <a:pos x="connsiteX4" y="connsiteY4"/>
+              </a:cxn>
+              <a:cxn ang="0">
+                <a:pos x="connsiteX5" y="connsiteY5"/>
+              </a:cxn>
+              <a:cxn ang="0">
+                <a:pos x="connsiteX6" y="connsiteY6"/>
+              </a:cxn>
+            </a:cxnLst>
+            <a:rect l="l" t="t" r="r" b="b"/>
+            <a:pathLst>
+              <a:path w="1473200" h="558800">
+                <a:moveTo>
+                  <a:pt x="0" y="0"/>
+                </a:moveTo>
+                <a:lnTo>
+                  <a:pt x="10160" y="556260"/>
+                </a:lnTo>
+                <a:lnTo>
+                  <a:pt x="276860" y="558800"/>
+                </a:lnTo>
+                <a:cubicBezTo>
+                  <a:pt x="277707" y="466513"/>
+                  <a:pt x="278553" y="374227"/>
+                  <a:pt x="279400" y="281940"/>
+                </a:cubicBezTo>
+                <a:lnTo>
+                  <a:pt x="1473200" y="279400"/>
+                </a:lnTo>
+                <a:lnTo>
+                  <a:pt x="1465580" y="7620"/>
+                </a:lnTo>
+                <a:lnTo>
+                  <a:pt x="0" y="0"/>
+                </a:lnTo>
+                <a:close/>
+              </a:path>
+            </a:pathLst>
+          </a:custGeom>
+          <a:noFill/>
+          <a:ln w="28575">
+            <a:solidFill>
+              <a:srgbClr val="FF0000"/>
+            </a:solidFill>
+          </a:ln>
+        </p:spPr>
+        <p:style>
+          <a:lnRef idx="2">
+            <a:schemeClr val="accent1">
+              <a:shade val="50000"/>
+            </a:schemeClr>
+          </a:lnRef>
+          <a:fillRef idx="1">
+            <a:schemeClr val="accent1"/>
+          </a:fillRef>
+          <a:effectRef idx="0">
+            <a:schemeClr val="accent1"/>
+          </a:effectRef>
+          <a:fontRef idx="minor">
+            <a:schemeClr val="lt1"/>
+          </a:fontRef>
+        </p:style>
+        <p:txBody>
+          <a:bodyPr rtlCol="0" anchor="ctr"/>
+          <a:lstStyle/>
+          <a:p>
+            <a:pPr algn="ctr"/>
+            <a:endParaRPr lang="de-CH"/>
+          </a:p>
+        </p:txBody>
+      </p:sp>
+      <p:sp>
+        <p:nvSpPr>
+          <p:cNvPr id="76" name="Textfeld 75">
+            <a:extLst>
+              <a:ext uri="{FF2B5EF4-FFF2-40B4-BE49-F238E27FC236}">
+                <a16:creationId xmlns:a16="http://schemas.microsoft.com/office/drawing/2014/main" id="{FD02C0FA-2668-45D0-984D-F3087E0D8AF3}"/>
+              </a:ext>
+            </a:extLst>
+          </p:cNvPr>
+          <p:cNvSpPr txBox="1"/>
+          <p:nvPr/>
+        </p:nvSpPr>
+        <p:spPr>
+          <a:xfrm>
+            <a:off x="1148180" y="2407412"/>
+            <a:ext cx="480719" cy="369332"/>
+          </a:xfrm>
+          <a:prstGeom prst="rect">
+            <a:avLst/>
+          </a:prstGeom>
+          <a:noFill/>
+        </p:spPr>
+        <p:txBody>
+          <a:bodyPr wrap="square" rtlCol="0">
+            <a:spAutoFit/>
+          </a:bodyPr>
+          <a:lstStyle/>
+          <a:p>
+            <a:r>
+              <a:rPr lang="de-CH" dirty="0">
+                <a:solidFill>
+                  <a:srgbClr val="FF0000"/>
+                </a:solidFill>
+              </a:rPr>
+              <a:t>10</a:t>
+            </a:r>
+          </a:p>
+        </p:txBody>
+      </p:sp>
     </p:spTree>
     <p:extLst>
       <p:ext uri="{BB962C8B-B14F-4D97-AF65-F5344CB8AC3E}">
         <p14:creationId xmlns:p14="http://schemas.microsoft.com/office/powerpoint/2010/main" val="126347937"/>
+      </p:ext>
+    </p:extLst>
+  </p:cSld>
+  <p:clrMapOvr>
+    <a:masterClrMapping/>
+  </p:clrMapOvr>
+</p:sld>
+</file>
+
+<file path=ppt/slides/slide2.xml><?xml version="1.0" encoding="utf-8"?>
+<p:sld xmlns:a="http://schemas.openxmlformats.org/drawingml/2006/main" xmlns:r="http://schemas.openxmlformats.org/officeDocument/2006/relationships" xmlns:p="http://schemas.openxmlformats.org/presentationml/2006/main">
+  <p:cSld>
+    <p:spTree>
+      <p:nvGrpSpPr>
+        <p:cNvPr id="1" name=""/>
+        <p:cNvGrpSpPr/>
+        <p:nvPr/>
+      </p:nvGrpSpPr>
+      <p:grpSpPr>
+        <a:xfrm>
+          <a:off x="0" y="0"/>
+          <a:ext cx="0" cy="0"/>
+          <a:chOff x="0" y="0"/>
+          <a:chExt cx="0" cy="0"/>
+        </a:xfrm>
+      </p:grpSpPr>
+      <p:pic>
+        <p:nvPicPr>
+          <p:cNvPr id="38" name="Grafik 37">
+            <a:extLst>
+              <a:ext uri="{FF2B5EF4-FFF2-40B4-BE49-F238E27FC236}">
+                <a16:creationId xmlns:a16="http://schemas.microsoft.com/office/drawing/2014/main" id="{C40188E1-D96A-4A68-BDD2-9580E81CD36D}"/>
+              </a:ext>
+            </a:extLst>
+          </p:cNvPr>
+          <p:cNvPicPr>
+            <a:picLocks noChangeAspect="1"/>
+          </p:cNvPicPr>
+          <p:nvPr/>
+        </p:nvPicPr>
+        <p:blipFill>
+          <a:blip r:embed="rId2">
+            <a:extLst>
+              <a:ext uri="{28A0092B-C50C-407E-A947-70E740481C1C}">
+                <a14:useLocalDpi xmlns:a14="http://schemas.microsoft.com/office/drawing/2010/main" val="0"/>
+              </a:ext>
+            </a:extLst>
+          </a:blip>
+          <a:stretch>
+            <a:fillRect/>
+          </a:stretch>
+        </p:blipFill>
+        <p:spPr>
+          <a:xfrm>
+            <a:off x="-4075" y="0"/>
+            <a:ext cx="6352032" cy="6845113"/>
+          </a:xfrm>
+          <a:prstGeom prst="rect">
+            <a:avLst/>
+          </a:prstGeom>
+        </p:spPr>
+      </p:pic>
+      <p:sp>
+        <p:nvSpPr>
+          <p:cNvPr id="19" name="Textfeld 18">
+            <a:extLst>
+              <a:ext uri="{FF2B5EF4-FFF2-40B4-BE49-F238E27FC236}">
+                <a16:creationId xmlns:a16="http://schemas.microsoft.com/office/drawing/2014/main" id="{D167DFA4-67D9-40EA-B781-6278252D0C0D}"/>
+              </a:ext>
+            </a:extLst>
+          </p:cNvPr>
+          <p:cNvSpPr txBox="1"/>
+          <p:nvPr/>
+        </p:nvSpPr>
+        <p:spPr>
+          <a:xfrm>
+            <a:off x="2069172" y="228379"/>
+            <a:ext cx="231753" cy="363425"/>
+          </a:xfrm>
+          <a:prstGeom prst="rect">
+            <a:avLst/>
+          </a:prstGeom>
+          <a:noFill/>
+        </p:spPr>
+        <p:txBody>
+          <a:bodyPr wrap="square" rtlCol="0">
+            <a:spAutoFit/>
+          </a:bodyPr>
+          <a:lstStyle/>
+          <a:p>
+            <a:r>
+              <a:rPr lang="de-CH" dirty="0">
+                <a:solidFill>
+                  <a:srgbClr val="FF0000"/>
+                </a:solidFill>
+              </a:rPr>
+              <a:t>1</a:t>
+            </a:r>
+          </a:p>
+        </p:txBody>
+      </p:sp>
+      <p:sp>
+        <p:nvSpPr>
+          <p:cNvPr id="21" name="Rechteck 20">
+            <a:extLst>
+              <a:ext uri="{FF2B5EF4-FFF2-40B4-BE49-F238E27FC236}">
+                <a16:creationId xmlns:a16="http://schemas.microsoft.com/office/drawing/2014/main" id="{291E7173-6CA5-4182-AF3E-A8F8F5164742}"/>
+              </a:ext>
+            </a:extLst>
+          </p:cNvPr>
+          <p:cNvSpPr/>
+          <p:nvPr/>
+        </p:nvSpPr>
+        <p:spPr>
+          <a:xfrm>
+            <a:off x="1026266" y="33677"/>
+            <a:ext cx="1184935" cy="271123"/>
+          </a:xfrm>
+          <a:prstGeom prst="rect">
+            <a:avLst/>
+          </a:prstGeom>
+          <a:noFill/>
+          <a:ln w="28575" cmpd="sng">
+            <a:solidFill>
+              <a:srgbClr val="FF0000"/>
+            </a:solidFill>
+          </a:ln>
+        </p:spPr>
+        <p:style>
+          <a:lnRef idx="2">
+            <a:schemeClr val="accent1">
+              <a:shade val="50000"/>
+            </a:schemeClr>
+          </a:lnRef>
+          <a:fillRef idx="1">
+            <a:schemeClr val="accent1"/>
+          </a:fillRef>
+          <a:effectRef idx="0">
+            <a:schemeClr val="accent1"/>
+          </a:effectRef>
+          <a:fontRef idx="minor">
+            <a:schemeClr val="lt1"/>
+          </a:fontRef>
+        </p:style>
+        <p:txBody>
+          <a:bodyPr rtlCol="0" anchor="ctr"/>
+          <a:lstStyle/>
+          <a:p>
+            <a:pPr algn="ctr"/>
+            <a:endParaRPr lang="de-CH" dirty="0"/>
+          </a:p>
+        </p:txBody>
+      </p:sp>
+      <p:sp>
+        <p:nvSpPr>
+          <p:cNvPr id="22" name="Rechteck 21">
+            <a:extLst>
+              <a:ext uri="{FF2B5EF4-FFF2-40B4-BE49-F238E27FC236}">
+                <a16:creationId xmlns:a16="http://schemas.microsoft.com/office/drawing/2014/main" id="{5123A168-8EAA-449D-8C87-15374906D853}"/>
+              </a:ext>
+            </a:extLst>
+          </p:cNvPr>
+          <p:cNvSpPr/>
+          <p:nvPr/>
+        </p:nvSpPr>
+        <p:spPr>
+          <a:xfrm>
+            <a:off x="3820870" y="48631"/>
+            <a:ext cx="415850" cy="256169"/>
+          </a:xfrm>
+          <a:prstGeom prst="rect">
+            <a:avLst/>
+          </a:prstGeom>
+          <a:noFill/>
+          <a:ln w="28575" cmpd="sng">
+            <a:solidFill>
+              <a:srgbClr val="FF0000"/>
+            </a:solidFill>
+          </a:ln>
+        </p:spPr>
+        <p:style>
+          <a:lnRef idx="2">
+            <a:schemeClr val="accent1">
+              <a:shade val="50000"/>
+            </a:schemeClr>
+          </a:lnRef>
+          <a:fillRef idx="1">
+            <a:schemeClr val="accent1"/>
+          </a:fillRef>
+          <a:effectRef idx="0">
+            <a:schemeClr val="accent1"/>
+          </a:effectRef>
+          <a:fontRef idx="minor">
+            <a:schemeClr val="lt1"/>
+          </a:fontRef>
+        </p:style>
+        <p:txBody>
+          <a:bodyPr rtlCol="0" anchor="ctr"/>
+          <a:lstStyle/>
+          <a:p>
+            <a:pPr algn="ctr"/>
+            <a:endParaRPr lang="de-CH" dirty="0"/>
+          </a:p>
+        </p:txBody>
+      </p:sp>
+      <p:sp>
+        <p:nvSpPr>
+          <p:cNvPr id="23" name="Textfeld 22">
+            <a:extLst>
+              <a:ext uri="{FF2B5EF4-FFF2-40B4-BE49-F238E27FC236}">
+                <a16:creationId xmlns:a16="http://schemas.microsoft.com/office/drawing/2014/main" id="{2D4E4198-5B45-428B-A3EF-62DBAB4A4CFF}"/>
+              </a:ext>
+            </a:extLst>
+          </p:cNvPr>
+          <p:cNvSpPr txBox="1"/>
+          <p:nvPr/>
+        </p:nvSpPr>
+        <p:spPr>
+          <a:xfrm>
+            <a:off x="4201642" y="-4998"/>
+            <a:ext cx="231753" cy="363425"/>
+          </a:xfrm>
+          <a:prstGeom prst="rect">
+            <a:avLst/>
+          </a:prstGeom>
+          <a:noFill/>
+        </p:spPr>
+        <p:txBody>
+          <a:bodyPr wrap="square" rtlCol="0">
+            <a:spAutoFit/>
+          </a:bodyPr>
+          <a:lstStyle/>
+          <a:p>
+            <a:r>
+              <a:rPr lang="de-CH" dirty="0">
+                <a:solidFill>
+                  <a:srgbClr val="FF0000"/>
+                </a:solidFill>
+              </a:rPr>
+              <a:t>2</a:t>
+            </a:r>
+          </a:p>
+        </p:txBody>
+      </p:sp>
+      <p:sp>
+        <p:nvSpPr>
+          <p:cNvPr id="24" name="Textfeld 23">
+            <a:extLst>
+              <a:ext uri="{FF2B5EF4-FFF2-40B4-BE49-F238E27FC236}">
+                <a16:creationId xmlns:a16="http://schemas.microsoft.com/office/drawing/2014/main" id="{93316D51-8C63-430F-B059-57B512CA8922}"/>
+              </a:ext>
+            </a:extLst>
+          </p:cNvPr>
+          <p:cNvSpPr txBox="1"/>
+          <p:nvPr/>
+        </p:nvSpPr>
+        <p:spPr>
+          <a:xfrm>
+            <a:off x="368338" y="2422369"/>
+            <a:ext cx="231753" cy="363425"/>
+          </a:xfrm>
+          <a:prstGeom prst="rect">
+            <a:avLst/>
+          </a:prstGeom>
+          <a:noFill/>
+        </p:spPr>
+        <p:txBody>
+          <a:bodyPr wrap="square" rtlCol="0">
+            <a:spAutoFit/>
+          </a:bodyPr>
+          <a:lstStyle/>
+          <a:p>
+            <a:r>
+              <a:rPr lang="de-CH" dirty="0">
+                <a:solidFill>
+                  <a:srgbClr val="FF0000"/>
+                </a:solidFill>
+              </a:rPr>
+              <a:t>3</a:t>
+            </a:r>
+          </a:p>
+        </p:txBody>
+      </p:sp>
+      <p:sp>
+        <p:nvSpPr>
+          <p:cNvPr id="25" name="Rechteck 24">
+            <a:extLst>
+              <a:ext uri="{FF2B5EF4-FFF2-40B4-BE49-F238E27FC236}">
+                <a16:creationId xmlns:a16="http://schemas.microsoft.com/office/drawing/2014/main" id="{F073FA97-716D-49D0-ACF7-7806CDF67D1E}"/>
+              </a:ext>
+            </a:extLst>
+          </p:cNvPr>
+          <p:cNvSpPr/>
+          <p:nvPr/>
+        </p:nvSpPr>
+        <p:spPr>
+          <a:xfrm>
+            <a:off x="125780" y="2574015"/>
+            <a:ext cx="314692" cy="308234"/>
+          </a:xfrm>
+          <a:prstGeom prst="rect">
+            <a:avLst/>
+          </a:prstGeom>
+          <a:noFill/>
+          <a:ln w="28575" cmpd="sng">
+            <a:solidFill>
+              <a:srgbClr val="FF0000"/>
+            </a:solidFill>
+          </a:ln>
+        </p:spPr>
+        <p:style>
+          <a:lnRef idx="2">
+            <a:schemeClr val="accent1">
+              <a:shade val="50000"/>
+            </a:schemeClr>
+          </a:lnRef>
+          <a:fillRef idx="1">
+            <a:schemeClr val="accent1"/>
+          </a:fillRef>
+          <a:effectRef idx="0">
+            <a:schemeClr val="accent1"/>
+          </a:effectRef>
+          <a:fontRef idx="minor">
+            <a:schemeClr val="lt1"/>
+          </a:fontRef>
+        </p:style>
+        <p:txBody>
+          <a:bodyPr rtlCol="0" anchor="ctr"/>
+          <a:lstStyle/>
+          <a:p>
+            <a:pPr algn="ctr"/>
+            <a:endParaRPr lang="de-CH" dirty="0"/>
+          </a:p>
+        </p:txBody>
+      </p:sp>
+      <p:sp>
+        <p:nvSpPr>
+          <p:cNvPr id="26" name="Rechteck 25">
+            <a:extLst>
+              <a:ext uri="{FF2B5EF4-FFF2-40B4-BE49-F238E27FC236}">
+                <a16:creationId xmlns:a16="http://schemas.microsoft.com/office/drawing/2014/main" id="{E3F07B5A-07E4-4166-AA00-847AEBD3DCCF}"/>
+              </a:ext>
+            </a:extLst>
+          </p:cNvPr>
+          <p:cNvSpPr/>
+          <p:nvPr/>
+        </p:nvSpPr>
+        <p:spPr>
+          <a:xfrm>
+            <a:off x="2484057" y="2697332"/>
+            <a:ext cx="1255706" cy="681094"/>
+          </a:xfrm>
+          <a:prstGeom prst="rect">
+            <a:avLst/>
+          </a:prstGeom>
+          <a:noFill/>
+          <a:ln w="28575" cmpd="sng">
+            <a:solidFill>
+              <a:srgbClr val="FF0000"/>
+            </a:solidFill>
+          </a:ln>
+        </p:spPr>
+        <p:style>
+          <a:lnRef idx="2">
+            <a:schemeClr val="accent1">
+              <a:shade val="50000"/>
+            </a:schemeClr>
+          </a:lnRef>
+          <a:fillRef idx="1">
+            <a:schemeClr val="accent1"/>
+          </a:fillRef>
+          <a:effectRef idx="0">
+            <a:schemeClr val="accent1"/>
+          </a:effectRef>
+          <a:fontRef idx="minor">
+            <a:schemeClr val="lt1"/>
+          </a:fontRef>
+        </p:style>
+        <p:txBody>
+          <a:bodyPr rtlCol="0" anchor="ctr"/>
+          <a:lstStyle/>
+          <a:p>
+            <a:pPr algn="ctr"/>
+            <a:endParaRPr lang="de-CH" dirty="0"/>
+          </a:p>
+        </p:txBody>
+      </p:sp>
+      <p:sp>
+        <p:nvSpPr>
+          <p:cNvPr id="28" name="Rechteck 27">
+            <a:extLst>
+              <a:ext uri="{FF2B5EF4-FFF2-40B4-BE49-F238E27FC236}">
+                <a16:creationId xmlns:a16="http://schemas.microsoft.com/office/drawing/2014/main" id="{FE616DF4-321B-41AD-A419-E12245FA225D}"/>
+              </a:ext>
+            </a:extLst>
+          </p:cNvPr>
+          <p:cNvSpPr/>
+          <p:nvPr/>
+        </p:nvSpPr>
+        <p:spPr>
+          <a:xfrm>
+            <a:off x="4658512" y="2589943"/>
+            <a:ext cx="310944" cy="248100"/>
+          </a:xfrm>
+          <a:prstGeom prst="rect">
+            <a:avLst/>
+          </a:prstGeom>
+          <a:noFill/>
+          <a:ln w="28575" cmpd="sng">
+            <a:solidFill>
+              <a:srgbClr val="FF0000"/>
+            </a:solidFill>
+          </a:ln>
+        </p:spPr>
+        <p:style>
+          <a:lnRef idx="2">
+            <a:schemeClr val="accent1">
+              <a:shade val="50000"/>
+            </a:schemeClr>
+          </a:lnRef>
+          <a:fillRef idx="1">
+            <a:schemeClr val="accent1"/>
+          </a:fillRef>
+          <a:effectRef idx="0">
+            <a:schemeClr val="accent1"/>
+          </a:effectRef>
+          <a:fontRef idx="minor">
+            <a:schemeClr val="lt1"/>
+          </a:fontRef>
+        </p:style>
+        <p:txBody>
+          <a:bodyPr rtlCol="0" anchor="ctr"/>
+          <a:lstStyle/>
+          <a:p>
+            <a:pPr algn="ctr"/>
+            <a:endParaRPr lang="de-CH" dirty="0"/>
+          </a:p>
+        </p:txBody>
+      </p:sp>
+      <p:sp>
+        <p:nvSpPr>
+          <p:cNvPr id="29" name="Textfeld 28">
+            <a:extLst>
+              <a:ext uri="{FF2B5EF4-FFF2-40B4-BE49-F238E27FC236}">
+                <a16:creationId xmlns:a16="http://schemas.microsoft.com/office/drawing/2014/main" id="{56701063-2464-4D3D-8E06-68FF0F795C85}"/>
+              </a:ext>
+            </a:extLst>
+          </p:cNvPr>
+          <p:cNvSpPr txBox="1"/>
+          <p:nvPr/>
+        </p:nvSpPr>
+        <p:spPr>
+          <a:xfrm>
+            <a:off x="2830223" y="367893"/>
+            <a:ext cx="231753" cy="369332"/>
+          </a:xfrm>
+          <a:prstGeom prst="rect">
+            <a:avLst/>
+          </a:prstGeom>
+          <a:noFill/>
+        </p:spPr>
+        <p:txBody>
+          <a:bodyPr wrap="square" rtlCol="0">
+            <a:spAutoFit/>
+          </a:bodyPr>
+          <a:lstStyle/>
+          <a:p>
+            <a:r>
+              <a:rPr lang="de-CH" dirty="0">
+                <a:solidFill>
+                  <a:srgbClr val="FF0000"/>
+                </a:solidFill>
+              </a:rPr>
+              <a:t>9</a:t>
+            </a:r>
+          </a:p>
+        </p:txBody>
+      </p:sp>
+      <p:sp>
+        <p:nvSpPr>
+          <p:cNvPr id="30" name="Rechteck 29">
+            <a:extLst>
+              <a:ext uri="{FF2B5EF4-FFF2-40B4-BE49-F238E27FC236}">
+                <a16:creationId xmlns:a16="http://schemas.microsoft.com/office/drawing/2014/main" id="{4FEA71F7-0ED8-4EA1-BC77-080B8829119D}"/>
+              </a:ext>
+            </a:extLst>
+          </p:cNvPr>
+          <p:cNvSpPr/>
+          <p:nvPr/>
+        </p:nvSpPr>
+        <p:spPr>
+          <a:xfrm>
+            <a:off x="5888204" y="2604082"/>
+            <a:ext cx="240961" cy="248100"/>
+          </a:xfrm>
+          <a:prstGeom prst="rect">
+            <a:avLst/>
+          </a:prstGeom>
+          <a:noFill/>
+          <a:ln w="28575" cmpd="sng">
+            <a:solidFill>
+              <a:srgbClr val="FF0000"/>
+            </a:solidFill>
+          </a:ln>
+        </p:spPr>
+        <p:style>
+          <a:lnRef idx="2">
+            <a:schemeClr val="accent1">
+              <a:shade val="50000"/>
+            </a:schemeClr>
+          </a:lnRef>
+          <a:fillRef idx="1">
+            <a:schemeClr val="accent1"/>
+          </a:fillRef>
+          <a:effectRef idx="0">
+            <a:schemeClr val="accent1"/>
+          </a:effectRef>
+          <a:fontRef idx="minor">
+            <a:schemeClr val="lt1"/>
+          </a:fontRef>
+        </p:style>
+        <p:txBody>
+          <a:bodyPr rtlCol="0" anchor="ctr"/>
+          <a:lstStyle/>
+          <a:p>
+            <a:pPr algn="ctr"/>
+            <a:endParaRPr lang="de-CH" dirty="0"/>
+          </a:p>
+        </p:txBody>
+      </p:sp>
+      <p:sp>
+        <p:nvSpPr>
+          <p:cNvPr id="31" name="Rechteck 30">
+            <a:extLst>
+              <a:ext uri="{FF2B5EF4-FFF2-40B4-BE49-F238E27FC236}">
+                <a16:creationId xmlns:a16="http://schemas.microsoft.com/office/drawing/2014/main" id="{1D751C7F-4D14-4D08-B573-1699042874CE}"/>
+              </a:ext>
+            </a:extLst>
+          </p:cNvPr>
+          <p:cNvSpPr/>
+          <p:nvPr/>
+        </p:nvSpPr>
+        <p:spPr>
+          <a:xfrm>
+            <a:off x="5888204" y="2971304"/>
+            <a:ext cx="240961" cy="248100"/>
+          </a:xfrm>
+          <a:prstGeom prst="rect">
+            <a:avLst/>
+          </a:prstGeom>
+          <a:noFill/>
+          <a:ln w="28575" cmpd="sng">
+            <a:solidFill>
+              <a:srgbClr val="FF0000"/>
+            </a:solidFill>
+          </a:ln>
+        </p:spPr>
+        <p:style>
+          <a:lnRef idx="2">
+            <a:schemeClr val="accent1">
+              <a:shade val="50000"/>
+            </a:schemeClr>
+          </a:lnRef>
+          <a:fillRef idx="1">
+            <a:schemeClr val="accent1"/>
+          </a:fillRef>
+          <a:effectRef idx="0">
+            <a:schemeClr val="accent1"/>
+          </a:effectRef>
+          <a:fontRef idx="minor">
+            <a:schemeClr val="lt1"/>
+          </a:fontRef>
+        </p:style>
+        <p:txBody>
+          <a:bodyPr rtlCol="0" anchor="ctr"/>
+          <a:lstStyle/>
+          <a:p>
+            <a:pPr algn="ctr"/>
+            <a:endParaRPr lang="de-CH" dirty="0"/>
+          </a:p>
+        </p:txBody>
+      </p:sp>
+      <p:cxnSp>
+        <p:nvCxnSpPr>
+          <p:cNvPr id="32" name="Gerade Verbindung mit Pfeil 31">
+            <a:extLst>
+              <a:ext uri="{FF2B5EF4-FFF2-40B4-BE49-F238E27FC236}">
+                <a16:creationId xmlns:a16="http://schemas.microsoft.com/office/drawing/2014/main" id="{44732FA4-F5A9-4BF6-90D3-CD76F6EC8D00}"/>
+              </a:ext>
+            </a:extLst>
+          </p:cNvPr>
+          <p:cNvCxnSpPr>
+            <a:cxnSpLocks/>
+          </p:cNvCxnSpPr>
+          <p:nvPr/>
+        </p:nvCxnSpPr>
+        <p:spPr>
+          <a:xfrm flipH="1" flipV="1">
+            <a:off x="4638420" y="1481583"/>
+            <a:ext cx="1249786" cy="1142435"/>
+          </a:xfrm>
+          <a:prstGeom prst="straightConnector1">
+            <a:avLst/>
+          </a:prstGeom>
+          <a:ln w="57150">
+            <a:solidFill>
+              <a:srgbClr val="FF0000"/>
+            </a:solidFill>
+            <a:tailEnd type="triangle"/>
+          </a:ln>
+        </p:spPr>
+        <p:style>
+          <a:lnRef idx="1">
+            <a:schemeClr val="accent1"/>
+          </a:lnRef>
+          <a:fillRef idx="0">
+            <a:schemeClr val="accent1"/>
+          </a:fillRef>
+          <a:effectRef idx="0">
+            <a:schemeClr val="accent1"/>
+          </a:effectRef>
+          <a:fontRef idx="minor">
+            <a:schemeClr val="tx1"/>
+          </a:fontRef>
+        </p:style>
+      </p:cxnSp>
+      <p:cxnSp>
+        <p:nvCxnSpPr>
+          <p:cNvPr id="34" name="Gerade Verbindung mit Pfeil 33">
+            <a:extLst>
+              <a:ext uri="{FF2B5EF4-FFF2-40B4-BE49-F238E27FC236}">
+                <a16:creationId xmlns:a16="http://schemas.microsoft.com/office/drawing/2014/main" id="{293EEEFE-77AF-4BF3-972A-1544DD35882A}"/>
+              </a:ext>
+            </a:extLst>
+          </p:cNvPr>
+          <p:cNvCxnSpPr>
+            <a:cxnSpLocks/>
+          </p:cNvCxnSpPr>
+          <p:nvPr/>
+        </p:nvCxnSpPr>
+        <p:spPr>
+          <a:xfrm flipH="1">
+            <a:off x="4916626" y="4422964"/>
+            <a:ext cx="674470" cy="164129"/>
+          </a:xfrm>
+          <a:prstGeom prst="straightConnector1">
+            <a:avLst/>
+          </a:prstGeom>
+          <a:ln w="57150">
+            <a:solidFill>
+              <a:srgbClr val="FF0000"/>
+            </a:solidFill>
+            <a:tailEnd type="triangle"/>
+          </a:ln>
+        </p:spPr>
+        <p:style>
+          <a:lnRef idx="1">
+            <a:schemeClr val="accent1"/>
+          </a:lnRef>
+          <a:fillRef idx="0">
+            <a:schemeClr val="accent1"/>
+          </a:fillRef>
+          <a:effectRef idx="0">
+            <a:schemeClr val="accent1"/>
+          </a:effectRef>
+          <a:fontRef idx="minor">
+            <a:schemeClr val="tx1"/>
+          </a:fontRef>
+        </p:style>
+      </p:cxnSp>
+      <p:sp>
+        <p:nvSpPr>
+          <p:cNvPr id="43" name="Textfeld 42">
+            <a:extLst>
+              <a:ext uri="{FF2B5EF4-FFF2-40B4-BE49-F238E27FC236}">
+                <a16:creationId xmlns:a16="http://schemas.microsoft.com/office/drawing/2014/main" id="{4D3A07C0-1ECC-4342-A835-2400FD8438B8}"/>
+              </a:ext>
+            </a:extLst>
+          </p:cNvPr>
+          <p:cNvSpPr txBox="1"/>
+          <p:nvPr/>
+        </p:nvSpPr>
+        <p:spPr>
+          <a:xfrm>
+            <a:off x="5602425" y="2566837"/>
+            <a:ext cx="231753" cy="369332"/>
+          </a:xfrm>
+          <a:prstGeom prst="rect">
+            <a:avLst/>
+          </a:prstGeom>
+          <a:noFill/>
+        </p:spPr>
+        <p:txBody>
+          <a:bodyPr wrap="square" rtlCol="0">
+            <a:spAutoFit/>
+          </a:bodyPr>
+          <a:lstStyle/>
+          <a:p>
+            <a:r>
+              <a:rPr lang="de-CH" dirty="0">
+                <a:solidFill>
+                  <a:srgbClr val="FF0000"/>
+                </a:solidFill>
+              </a:rPr>
+              <a:t>6</a:t>
+            </a:r>
+          </a:p>
+        </p:txBody>
+      </p:sp>
+      <p:pic>
+        <p:nvPicPr>
+          <p:cNvPr id="45" name="Grafik 44">
+            <a:extLst>
+              <a:ext uri="{FF2B5EF4-FFF2-40B4-BE49-F238E27FC236}">
+                <a16:creationId xmlns:a16="http://schemas.microsoft.com/office/drawing/2014/main" id="{94ED8631-230A-4765-B9E1-FD03FC133794}"/>
+              </a:ext>
+            </a:extLst>
+          </p:cNvPr>
+          <p:cNvPicPr>
+            <a:picLocks noChangeAspect="1"/>
+          </p:cNvPicPr>
+          <p:nvPr/>
+        </p:nvPicPr>
+        <p:blipFill>
+          <a:blip r:embed="rId3">
+            <a:extLst>
+              <a:ext uri="{28A0092B-C50C-407E-A947-70E740481C1C}">
+                <a14:useLocalDpi xmlns:a14="http://schemas.microsoft.com/office/drawing/2010/main" val="0"/>
+              </a:ext>
+            </a:extLst>
+          </a:blip>
+          <a:stretch>
+            <a:fillRect/>
+          </a:stretch>
+        </p:blipFill>
+        <p:spPr>
+          <a:xfrm>
+            <a:off x="435587" y="3765811"/>
+            <a:ext cx="1379429" cy="2208270"/>
+          </a:xfrm>
+          <a:prstGeom prst="rect">
+            <a:avLst/>
+          </a:prstGeom>
+        </p:spPr>
+      </p:pic>
+      <p:cxnSp>
+        <p:nvCxnSpPr>
+          <p:cNvPr id="47" name="Gerade Verbindung mit Pfeil 46">
+            <a:extLst>
+              <a:ext uri="{FF2B5EF4-FFF2-40B4-BE49-F238E27FC236}">
+                <a16:creationId xmlns:a16="http://schemas.microsoft.com/office/drawing/2014/main" id="{0FB110E7-EFEC-4D90-B449-17B23D1E5793}"/>
+              </a:ext>
+            </a:extLst>
+          </p:cNvPr>
+          <p:cNvCxnSpPr>
+            <a:cxnSpLocks/>
+          </p:cNvCxnSpPr>
+          <p:nvPr/>
+        </p:nvCxnSpPr>
+        <p:spPr>
+          <a:xfrm>
+            <a:off x="435587" y="2882249"/>
+            <a:ext cx="231753" cy="883562"/>
+          </a:xfrm>
+          <a:prstGeom prst="straightConnector1">
+            <a:avLst/>
+          </a:prstGeom>
+          <a:ln w="57150">
+            <a:solidFill>
+              <a:srgbClr val="FF0000"/>
+            </a:solidFill>
+            <a:tailEnd type="triangle"/>
+          </a:ln>
+        </p:spPr>
+        <p:style>
+          <a:lnRef idx="1">
+            <a:schemeClr val="accent1"/>
+          </a:lnRef>
+          <a:fillRef idx="0">
+            <a:schemeClr val="accent1"/>
+          </a:fillRef>
+          <a:effectRef idx="0">
+            <a:schemeClr val="accent1"/>
+          </a:effectRef>
+          <a:fontRef idx="minor">
+            <a:schemeClr val="tx1"/>
+          </a:fontRef>
+        </p:style>
+      </p:cxnSp>
+      <p:sp>
+        <p:nvSpPr>
+          <p:cNvPr id="49" name="Rechteck 48">
+            <a:extLst>
+              <a:ext uri="{FF2B5EF4-FFF2-40B4-BE49-F238E27FC236}">
+                <a16:creationId xmlns:a16="http://schemas.microsoft.com/office/drawing/2014/main" id="{CF2D4C9F-5EFE-4A7E-9942-1E8764B86CA9}"/>
+              </a:ext>
+            </a:extLst>
+          </p:cNvPr>
+          <p:cNvSpPr/>
+          <p:nvPr/>
+        </p:nvSpPr>
+        <p:spPr>
+          <a:xfrm>
+            <a:off x="499148" y="4844737"/>
+            <a:ext cx="249518" cy="247327"/>
+          </a:xfrm>
+          <a:prstGeom prst="rect">
+            <a:avLst/>
+          </a:prstGeom>
+          <a:noFill/>
+          <a:ln w="28575" cmpd="sng">
+            <a:solidFill>
+              <a:srgbClr val="FF0000"/>
+            </a:solidFill>
+          </a:ln>
+        </p:spPr>
+        <p:style>
+          <a:lnRef idx="2">
+            <a:schemeClr val="accent1">
+              <a:shade val="50000"/>
+            </a:schemeClr>
+          </a:lnRef>
+          <a:fillRef idx="1">
+            <a:schemeClr val="accent1"/>
+          </a:fillRef>
+          <a:effectRef idx="0">
+            <a:schemeClr val="accent1"/>
+          </a:effectRef>
+          <a:fontRef idx="minor">
+            <a:schemeClr val="lt1"/>
+          </a:fontRef>
+        </p:style>
+        <p:txBody>
+          <a:bodyPr rtlCol="0" anchor="ctr"/>
+          <a:lstStyle/>
+          <a:p>
+            <a:pPr algn="ctr"/>
+            <a:endParaRPr lang="de-CH" dirty="0"/>
+          </a:p>
+        </p:txBody>
+      </p:sp>
+      <p:sp>
+        <p:nvSpPr>
+          <p:cNvPr id="27" name="Textfeld 26">
+            <a:extLst>
+              <a:ext uri="{FF2B5EF4-FFF2-40B4-BE49-F238E27FC236}">
+                <a16:creationId xmlns:a16="http://schemas.microsoft.com/office/drawing/2014/main" id="{97286046-311B-4D92-B013-0702F161BD67}"/>
+              </a:ext>
+            </a:extLst>
+          </p:cNvPr>
+          <p:cNvSpPr txBox="1"/>
+          <p:nvPr/>
+        </p:nvSpPr>
+        <p:spPr>
+          <a:xfrm>
+            <a:off x="748666" y="4910351"/>
+            <a:ext cx="231753" cy="363425"/>
+          </a:xfrm>
+          <a:prstGeom prst="rect">
+            <a:avLst/>
+          </a:prstGeom>
+          <a:noFill/>
+        </p:spPr>
+        <p:txBody>
+          <a:bodyPr wrap="square" rtlCol="0">
+            <a:spAutoFit/>
+          </a:bodyPr>
+          <a:lstStyle/>
+          <a:p>
+            <a:r>
+              <a:rPr lang="de-CH" dirty="0">
+                <a:solidFill>
+                  <a:srgbClr val="FF0000"/>
+                </a:solidFill>
+              </a:rPr>
+              <a:t>4</a:t>
+            </a:r>
+          </a:p>
+        </p:txBody>
+      </p:sp>
+      <p:sp>
+        <p:nvSpPr>
+          <p:cNvPr id="51" name="Textfeld 50">
+            <a:extLst>
+              <a:ext uri="{FF2B5EF4-FFF2-40B4-BE49-F238E27FC236}">
+                <a16:creationId xmlns:a16="http://schemas.microsoft.com/office/drawing/2014/main" id="{E6A001A8-C105-4FE2-8D78-2530639879D0}"/>
+              </a:ext>
+            </a:extLst>
+          </p:cNvPr>
+          <p:cNvSpPr txBox="1"/>
+          <p:nvPr/>
+        </p:nvSpPr>
+        <p:spPr>
+          <a:xfrm>
+            <a:off x="3182687" y="3011989"/>
+            <a:ext cx="231753" cy="369332"/>
+          </a:xfrm>
+          <a:prstGeom prst="rect">
+            <a:avLst/>
+          </a:prstGeom>
+          <a:noFill/>
+        </p:spPr>
+        <p:txBody>
+          <a:bodyPr wrap="square" rtlCol="0">
+            <a:spAutoFit/>
+          </a:bodyPr>
+          <a:lstStyle/>
+          <a:p>
+            <a:r>
+              <a:rPr lang="de-CH" dirty="0">
+                <a:solidFill>
+                  <a:srgbClr val="FF0000"/>
+                </a:solidFill>
+              </a:rPr>
+              <a:t>5</a:t>
+            </a:r>
+          </a:p>
+        </p:txBody>
+      </p:sp>
+      <p:sp>
+        <p:nvSpPr>
+          <p:cNvPr id="52" name="Rechteck 51">
+            <a:extLst>
+              <a:ext uri="{FF2B5EF4-FFF2-40B4-BE49-F238E27FC236}">
+                <a16:creationId xmlns:a16="http://schemas.microsoft.com/office/drawing/2014/main" id="{C0B31C59-1E1E-42B0-BA77-05041B563782}"/>
+              </a:ext>
+            </a:extLst>
+          </p:cNvPr>
+          <p:cNvSpPr/>
+          <p:nvPr/>
+        </p:nvSpPr>
+        <p:spPr>
+          <a:xfrm>
+            <a:off x="2476200" y="851389"/>
+            <a:ext cx="1290823" cy="911247"/>
+          </a:xfrm>
+          <a:prstGeom prst="rect">
+            <a:avLst/>
+          </a:prstGeom>
+          <a:noFill/>
+          <a:ln w="28575" cmpd="sng">
+            <a:solidFill>
+              <a:srgbClr val="FF0000"/>
+            </a:solidFill>
+          </a:ln>
+        </p:spPr>
+        <p:style>
+          <a:lnRef idx="2">
+            <a:schemeClr val="accent1">
+              <a:shade val="50000"/>
+            </a:schemeClr>
+          </a:lnRef>
+          <a:fillRef idx="1">
+            <a:schemeClr val="accent1"/>
+          </a:fillRef>
+          <a:effectRef idx="0">
+            <a:schemeClr val="accent1"/>
+          </a:effectRef>
+          <a:fontRef idx="minor">
+            <a:schemeClr val="lt1"/>
+          </a:fontRef>
+        </p:style>
+        <p:txBody>
+          <a:bodyPr rtlCol="0" anchor="ctr"/>
+          <a:lstStyle/>
+          <a:p>
+            <a:pPr algn="ctr"/>
+            <a:endParaRPr lang="de-CH" dirty="0"/>
+          </a:p>
+        </p:txBody>
+      </p:sp>
+      <p:sp>
+        <p:nvSpPr>
+          <p:cNvPr id="53" name="Rechteck 52">
+            <a:extLst>
+              <a:ext uri="{FF2B5EF4-FFF2-40B4-BE49-F238E27FC236}">
+                <a16:creationId xmlns:a16="http://schemas.microsoft.com/office/drawing/2014/main" id="{2F460D6A-EB7A-4D38-8AE1-F30D2E43ABAB}"/>
+              </a:ext>
+            </a:extLst>
+          </p:cNvPr>
+          <p:cNvSpPr/>
+          <p:nvPr/>
+        </p:nvSpPr>
+        <p:spPr>
+          <a:xfrm>
+            <a:off x="2476200" y="5818212"/>
+            <a:ext cx="1290823" cy="934696"/>
+          </a:xfrm>
+          <a:prstGeom prst="rect">
+            <a:avLst/>
+          </a:prstGeom>
+          <a:noFill/>
+          <a:ln w="28575" cmpd="sng">
+            <a:solidFill>
+              <a:srgbClr val="FF0000"/>
+            </a:solidFill>
+          </a:ln>
+        </p:spPr>
+        <p:style>
+          <a:lnRef idx="2">
+            <a:schemeClr val="accent1">
+              <a:shade val="50000"/>
+            </a:schemeClr>
+          </a:lnRef>
+          <a:fillRef idx="1">
+            <a:schemeClr val="accent1"/>
+          </a:fillRef>
+          <a:effectRef idx="0">
+            <a:schemeClr val="accent1"/>
+          </a:effectRef>
+          <a:fontRef idx="minor">
+            <a:schemeClr val="lt1"/>
+          </a:fontRef>
+        </p:style>
+        <p:txBody>
+          <a:bodyPr rtlCol="0" anchor="ctr"/>
+          <a:lstStyle/>
+          <a:p>
+            <a:pPr algn="ctr"/>
+            <a:endParaRPr lang="de-CH" dirty="0"/>
+          </a:p>
+        </p:txBody>
+      </p:sp>
+      <p:sp>
+        <p:nvSpPr>
+          <p:cNvPr id="55" name="Textfeld 54">
+            <a:extLst>
+              <a:ext uri="{FF2B5EF4-FFF2-40B4-BE49-F238E27FC236}">
+                <a16:creationId xmlns:a16="http://schemas.microsoft.com/office/drawing/2014/main" id="{DBA6B92A-239D-4863-AAD3-66520C572F1C}"/>
+              </a:ext>
+            </a:extLst>
+          </p:cNvPr>
+          <p:cNvSpPr txBox="1"/>
+          <p:nvPr/>
+        </p:nvSpPr>
+        <p:spPr>
+          <a:xfrm>
+            <a:off x="2879108" y="5334716"/>
+            <a:ext cx="231753" cy="369332"/>
+          </a:xfrm>
+          <a:prstGeom prst="rect">
+            <a:avLst/>
+          </a:prstGeom>
+          <a:noFill/>
+        </p:spPr>
+        <p:txBody>
+          <a:bodyPr wrap="square" rtlCol="0">
+            <a:spAutoFit/>
+          </a:bodyPr>
+          <a:lstStyle/>
+          <a:p>
+            <a:r>
+              <a:rPr lang="de-CH" dirty="0">
+                <a:solidFill>
+                  <a:srgbClr val="FF0000"/>
+                </a:solidFill>
+              </a:rPr>
+              <a:t>9</a:t>
+            </a:r>
+          </a:p>
+        </p:txBody>
+      </p:sp>
+      <p:sp>
+        <p:nvSpPr>
+          <p:cNvPr id="56" name="Textfeld 55">
+            <a:extLst>
+              <a:ext uri="{FF2B5EF4-FFF2-40B4-BE49-F238E27FC236}">
+                <a16:creationId xmlns:a16="http://schemas.microsoft.com/office/drawing/2014/main" id="{134C6400-9E63-4F18-893D-34B823048D1C}"/>
+              </a:ext>
+            </a:extLst>
+          </p:cNvPr>
+          <p:cNvSpPr txBox="1"/>
+          <p:nvPr/>
+        </p:nvSpPr>
+        <p:spPr>
+          <a:xfrm>
+            <a:off x="4672348" y="2266769"/>
+            <a:ext cx="231753" cy="369332"/>
+          </a:xfrm>
+          <a:prstGeom prst="rect">
+            <a:avLst/>
+          </a:prstGeom>
+          <a:noFill/>
+        </p:spPr>
+        <p:txBody>
+          <a:bodyPr wrap="square" rtlCol="0">
+            <a:spAutoFit/>
+          </a:bodyPr>
+          <a:lstStyle/>
+          <a:p>
+            <a:r>
+              <a:rPr lang="de-CH" dirty="0">
+                <a:solidFill>
+                  <a:srgbClr val="FF0000"/>
+                </a:solidFill>
+              </a:rPr>
+              <a:t>8</a:t>
+            </a:r>
+          </a:p>
+        </p:txBody>
+      </p:sp>
+      <p:sp>
+        <p:nvSpPr>
+          <p:cNvPr id="58" name="Textfeld 57">
+            <a:extLst>
+              <a:ext uri="{FF2B5EF4-FFF2-40B4-BE49-F238E27FC236}">
+                <a16:creationId xmlns:a16="http://schemas.microsoft.com/office/drawing/2014/main" id="{3B8C7576-42C3-41A9-8705-AE2093248943}"/>
+              </a:ext>
+            </a:extLst>
+          </p:cNvPr>
+          <p:cNvSpPr txBox="1"/>
+          <p:nvPr/>
+        </p:nvSpPr>
+        <p:spPr>
+          <a:xfrm>
+            <a:off x="6368878" y="885285"/>
+            <a:ext cx="5824296" cy="5755422"/>
+          </a:xfrm>
+          <a:prstGeom prst="rect">
+            <a:avLst/>
+          </a:prstGeom>
+          <a:noFill/>
+        </p:spPr>
+        <p:txBody>
+          <a:bodyPr wrap="square" rtlCol="0">
+            <a:spAutoFit/>
+          </a:bodyPr>
+          <a:lstStyle/>
+          <a:p>
+            <a:pPr marL="342900" indent="-342900">
+              <a:buAutoNum type="arabicPeriod"/>
+            </a:pPr>
+            <a:r>
+              <a:rPr lang="en-GB" sz="1600" dirty="0"/>
+              <a:t>Open and close recipe calculator</a:t>
+            </a:r>
+          </a:p>
+          <a:p>
+            <a:pPr marL="342900" indent="-342900">
+              <a:buAutoNum type="arabicPeriod"/>
+            </a:pPr>
+            <a:r>
+              <a:rPr lang="en-GB" sz="1600" dirty="0"/>
+              <a:t>Activate recording: When it is recording it will record your selected products and ingredients and will add the recipe to the calculator.</a:t>
+            </a:r>
+          </a:p>
+          <a:p>
+            <a:pPr marL="342900" indent="-342900">
+              <a:buAutoNum type="arabicPeriod"/>
+            </a:pPr>
+            <a:r>
+              <a:rPr lang="en-GB" sz="1600" dirty="0"/>
+              <a:t>Select the ingredient you will produce for this recipe.</a:t>
+            </a:r>
+          </a:p>
+          <a:p>
+            <a:pPr marL="342900" indent="-342900">
+              <a:buAutoNum type="arabicPeriod"/>
+            </a:pPr>
+            <a:r>
+              <a:rPr lang="en-GB" sz="1600" dirty="0"/>
+              <a:t>You can do this over multiple level of recipes</a:t>
+            </a:r>
+          </a:p>
+          <a:p>
+            <a:pPr marL="342900" indent="-342900">
+              <a:buAutoNum type="arabicPeriod"/>
+            </a:pPr>
+            <a:r>
+              <a:rPr lang="en-GB" sz="1600" dirty="0"/>
+              <a:t>RMB = select the Factory in witch the recipe is produced</a:t>
+            </a:r>
+            <a:br>
+              <a:rPr lang="en-GB" sz="1600" dirty="0"/>
+            </a:br>
+            <a:r>
+              <a:rPr lang="en-GB" sz="1600" dirty="0"/>
+              <a:t>LMB = will display the recipe for the factory</a:t>
+            </a:r>
+          </a:p>
+          <a:p>
+            <a:pPr marL="342900" indent="-342900">
+              <a:buAutoNum type="arabicPeriod"/>
+            </a:pPr>
+            <a:r>
+              <a:rPr lang="en-GB" sz="1600" dirty="0"/>
+              <a:t>Will display how many factory are required for full consumption of all products of the previous factory,</a:t>
+            </a:r>
+          </a:p>
+          <a:p>
+            <a:pPr marL="342900" indent="-342900">
+              <a:buAutoNum type="arabicPeriod"/>
+            </a:pPr>
+            <a:r>
+              <a:rPr lang="en-GB" sz="1600" dirty="0"/>
+              <a:t>Will display how many factory are required to produce all the products to fulfill the demand from the factories in the production chain.</a:t>
+            </a:r>
+          </a:p>
+          <a:p>
+            <a:pPr marL="342900" indent="-342900">
+              <a:buAutoNum type="arabicPeriod"/>
+            </a:pPr>
+            <a:r>
+              <a:rPr lang="en-GB" sz="1600" dirty="0"/>
+              <a:t>Set the amounts of factories you will use for this recipe.</a:t>
+            </a:r>
+          </a:p>
+          <a:p>
+            <a:pPr marL="342900" indent="-342900">
+              <a:buAutoNum type="arabicPeriod"/>
+            </a:pPr>
+            <a:r>
+              <a:rPr lang="en-GB" sz="1600" dirty="0"/>
+              <a:t>The output and Input are like virtual factories witch simulate the production chain requirements. If no product is on the beginning/end you need to select a product in the recipe on the beginning/end of the production chain</a:t>
+            </a:r>
+          </a:p>
+          <a:p>
+            <a:pPr marL="342900" indent="-342900">
+              <a:buAutoNum type="arabicPeriod"/>
+            </a:pPr>
+            <a:r>
+              <a:rPr lang="en-GB" sz="1600" dirty="0"/>
+              <a:t>Select witch type of transport belt you use. Only available when the product on the beginning/end of the product chain is a item</a:t>
+            </a:r>
+          </a:p>
+          <a:p>
+            <a:pPr marL="342900" indent="-342900">
+              <a:buAutoNum type="arabicPeriod"/>
+            </a:pPr>
+            <a:r>
+              <a:rPr lang="en-GB" sz="1600" dirty="0"/>
+              <a:t>Select how many belts full of items you will have as input/output</a:t>
+            </a:r>
+          </a:p>
+          <a:p>
+            <a:endParaRPr lang="en-GB" sz="1600" dirty="0"/>
+          </a:p>
+        </p:txBody>
+      </p:sp>
+      <p:cxnSp>
+        <p:nvCxnSpPr>
+          <p:cNvPr id="59" name="Gerade Verbindung mit Pfeil 58">
+            <a:extLst>
+              <a:ext uri="{FF2B5EF4-FFF2-40B4-BE49-F238E27FC236}">
+                <a16:creationId xmlns:a16="http://schemas.microsoft.com/office/drawing/2014/main" id="{F6DAE1D3-054E-4109-A250-1E1C8E32C109}"/>
+              </a:ext>
+            </a:extLst>
+          </p:cNvPr>
+          <p:cNvCxnSpPr>
+            <a:cxnSpLocks/>
+          </p:cNvCxnSpPr>
+          <p:nvPr/>
+        </p:nvCxnSpPr>
+        <p:spPr>
+          <a:xfrm>
+            <a:off x="3767023" y="1762636"/>
+            <a:ext cx="459148" cy="171895"/>
+          </a:xfrm>
+          <a:prstGeom prst="straightConnector1">
+            <a:avLst/>
+          </a:prstGeom>
+          <a:ln w="57150">
+            <a:solidFill>
+              <a:srgbClr val="FF0000"/>
+            </a:solidFill>
+            <a:tailEnd type="triangle"/>
+          </a:ln>
+        </p:spPr>
+        <p:style>
+          <a:lnRef idx="1">
+            <a:schemeClr val="accent1"/>
+          </a:lnRef>
+          <a:fillRef idx="0">
+            <a:schemeClr val="accent1"/>
+          </a:fillRef>
+          <a:effectRef idx="0">
+            <a:schemeClr val="accent1"/>
+          </a:effectRef>
+          <a:fontRef idx="minor">
+            <a:schemeClr val="tx1"/>
+          </a:fontRef>
+        </p:style>
+      </p:cxnSp>
+      <p:sp>
+        <p:nvSpPr>
+          <p:cNvPr id="63" name="Rechteck 62">
+            <a:extLst>
+              <a:ext uri="{FF2B5EF4-FFF2-40B4-BE49-F238E27FC236}">
+                <a16:creationId xmlns:a16="http://schemas.microsoft.com/office/drawing/2014/main" id="{CA9DF1B4-3B58-4241-A3C2-ADAA05C92A85}"/>
+              </a:ext>
+            </a:extLst>
+          </p:cNvPr>
+          <p:cNvSpPr/>
+          <p:nvPr/>
+        </p:nvSpPr>
+        <p:spPr>
+          <a:xfrm>
+            <a:off x="4658512" y="4217866"/>
+            <a:ext cx="310944" cy="248100"/>
+          </a:xfrm>
+          <a:prstGeom prst="rect">
+            <a:avLst/>
+          </a:prstGeom>
+          <a:noFill/>
+          <a:ln w="28575" cmpd="sng">
+            <a:solidFill>
+              <a:srgbClr val="FF0000"/>
+            </a:solidFill>
+          </a:ln>
+        </p:spPr>
+        <p:style>
+          <a:lnRef idx="2">
+            <a:schemeClr val="accent1">
+              <a:shade val="50000"/>
+            </a:schemeClr>
+          </a:lnRef>
+          <a:fillRef idx="1">
+            <a:schemeClr val="accent1"/>
+          </a:fillRef>
+          <a:effectRef idx="0">
+            <a:schemeClr val="accent1"/>
+          </a:effectRef>
+          <a:fontRef idx="minor">
+            <a:schemeClr val="lt1"/>
+          </a:fontRef>
+        </p:style>
+        <p:txBody>
+          <a:bodyPr rtlCol="0" anchor="ctr"/>
+          <a:lstStyle/>
+          <a:p>
+            <a:pPr algn="ctr"/>
+            <a:endParaRPr lang="de-CH" dirty="0"/>
+          </a:p>
+        </p:txBody>
+      </p:sp>
+      <p:sp>
+        <p:nvSpPr>
+          <p:cNvPr id="64" name="Textfeld 63">
+            <a:extLst>
+              <a:ext uri="{FF2B5EF4-FFF2-40B4-BE49-F238E27FC236}">
+                <a16:creationId xmlns:a16="http://schemas.microsoft.com/office/drawing/2014/main" id="{85F4929E-D168-44AF-9355-306793654B0A}"/>
+              </a:ext>
+            </a:extLst>
+          </p:cNvPr>
+          <p:cNvSpPr txBox="1"/>
+          <p:nvPr/>
+        </p:nvSpPr>
+        <p:spPr>
+          <a:xfrm>
+            <a:off x="4672348" y="3894692"/>
+            <a:ext cx="231753" cy="369332"/>
+          </a:xfrm>
+          <a:prstGeom prst="rect">
+            <a:avLst/>
+          </a:prstGeom>
+          <a:noFill/>
+        </p:spPr>
+        <p:txBody>
+          <a:bodyPr wrap="square" rtlCol="0">
+            <a:spAutoFit/>
+          </a:bodyPr>
+          <a:lstStyle/>
+          <a:p>
+            <a:r>
+              <a:rPr lang="de-CH" dirty="0">
+                <a:solidFill>
+                  <a:srgbClr val="FF0000"/>
+                </a:solidFill>
+              </a:rPr>
+              <a:t>8</a:t>
+            </a:r>
+          </a:p>
+        </p:txBody>
+      </p:sp>
+      <p:sp>
+        <p:nvSpPr>
+          <p:cNvPr id="67" name="Rechteck 66">
+            <a:extLst>
+              <a:ext uri="{FF2B5EF4-FFF2-40B4-BE49-F238E27FC236}">
+                <a16:creationId xmlns:a16="http://schemas.microsoft.com/office/drawing/2014/main" id="{9C7781C2-99E2-4F3E-8A5B-9A0FB951CCDD}"/>
+              </a:ext>
+            </a:extLst>
+          </p:cNvPr>
+          <p:cNvSpPr/>
+          <p:nvPr/>
+        </p:nvSpPr>
+        <p:spPr>
+          <a:xfrm>
+            <a:off x="4684872" y="885285"/>
+            <a:ext cx="310944" cy="248100"/>
+          </a:xfrm>
+          <a:prstGeom prst="rect">
+            <a:avLst/>
+          </a:prstGeom>
+          <a:noFill/>
+          <a:ln w="28575" cmpd="sng">
+            <a:solidFill>
+              <a:srgbClr val="FF0000"/>
+            </a:solidFill>
+          </a:ln>
+        </p:spPr>
+        <p:style>
+          <a:lnRef idx="2">
+            <a:schemeClr val="accent1">
+              <a:shade val="50000"/>
+            </a:schemeClr>
+          </a:lnRef>
+          <a:fillRef idx="1">
+            <a:schemeClr val="accent1"/>
+          </a:fillRef>
+          <a:effectRef idx="0">
+            <a:schemeClr val="accent1"/>
+          </a:effectRef>
+          <a:fontRef idx="minor">
+            <a:schemeClr val="lt1"/>
+          </a:fontRef>
+        </p:style>
+        <p:txBody>
+          <a:bodyPr rtlCol="0" anchor="ctr"/>
+          <a:lstStyle/>
+          <a:p>
+            <a:pPr algn="ctr"/>
+            <a:endParaRPr lang="de-CH" dirty="0"/>
+          </a:p>
+        </p:txBody>
+      </p:sp>
+      <p:sp>
+        <p:nvSpPr>
+          <p:cNvPr id="68" name="Textfeld 67">
+            <a:extLst>
+              <a:ext uri="{FF2B5EF4-FFF2-40B4-BE49-F238E27FC236}">
+                <a16:creationId xmlns:a16="http://schemas.microsoft.com/office/drawing/2014/main" id="{243BA602-0462-4C9C-AFCC-F0DCB2B75D37}"/>
+              </a:ext>
+            </a:extLst>
+          </p:cNvPr>
+          <p:cNvSpPr txBox="1"/>
+          <p:nvPr/>
+        </p:nvSpPr>
+        <p:spPr>
+          <a:xfrm>
+            <a:off x="3056867" y="1168694"/>
+            <a:ext cx="491648" cy="369332"/>
+          </a:xfrm>
+          <a:prstGeom prst="rect">
+            <a:avLst/>
+          </a:prstGeom>
+          <a:noFill/>
+        </p:spPr>
+        <p:txBody>
+          <a:bodyPr wrap="square" rtlCol="0">
+            <a:spAutoFit/>
+          </a:bodyPr>
+          <a:lstStyle/>
+          <a:p>
+            <a:r>
+              <a:rPr lang="de-CH" dirty="0">
+                <a:solidFill>
+                  <a:srgbClr val="FF0000"/>
+                </a:solidFill>
+              </a:rPr>
+              <a:t>10</a:t>
+            </a:r>
+          </a:p>
+        </p:txBody>
+      </p:sp>
+      <p:sp>
+        <p:nvSpPr>
+          <p:cNvPr id="69" name="Rechteck 68">
+            <a:extLst>
+              <a:ext uri="{FF2B5EF4-FFF2-40B4-BE49-F238E27FC236}">
+                <a16:creationId xmlns:a16="http://schemas.microsoft.com/office/drawing/2014/main" id="{987CD7D9-7DD8-4869-A45C-45B444590524}"/>
+              </a:ext>
+            </a:extLst>
+          </p:cNvPr>
+          <p:cNvSpPr/>
+          <p:nvPr/>
+        </p:nvSpPr>
+        <p:spPr>
+          <a:xfrm>
+            <a:off x="4684872" y="5845788"/>
+            <a:ext cx="284584" cy="234273"/>
+          </a:xfrm>
+          <a:prstGeom prst="rect">
+            <a:avLst/>
+          </a:prstGeom>
+          <a:noFill/>
+          <a:ln w="28575" cmpd="sng">
+            <a:solidFill>
+              <a:srgbClr val="FF0000"/>
+            </a:solidFill>
+          </a:ln>
+        </p:spPr>
+        <p:style>
+          <a:lnRef idx="2">
+            <a:schemeClr val="accent1">
+              <a:shade val="50000"/>
+            </a:schemeClr>
+          </a:lnRef>
+          <a:fillRef idx="1">
+            <a:schemeClr val="accent1"/>
+          </a:fillRef>
+          <a:effectRef idx="0">
+            <a:schemeClr val="accent1"/>
+          </a:effectRef>
+          <a:fontRef idx="minor">
+            <a:schemeClr val="lt1"/>
+          </a:fontRef>
+        </p:style>
+        <p:txBody>
+          <a:bodyPr rtlCol="0" anchor="ctr"/>
+          <a:lstStyle/>
+          <a:p>
+            <a:pPr algn="ctr"/>
+            <a:endParaRPr lang="de-CH" dirty="0"/>
+          </a:p>
+        </p:txBody>
+      </p:sp>
+      <p:sp>
+        <p:nvSpPr>
+          <p:cNvPr id="70" name="Textfeld 69">
+            <a:extLst>
+              <a:ext uri="{FF2B5EF4-FFF2-40B4-BE49-F238E27FC236}">
+                <a16:creationId xmlns:a16="http://schemas.microsoft.com/office/drawing/2014/main" id="{A7220C0C-A08F-4539-B5AB-BE5DD2FD4BB8}"/>
+              </a:ext>
+            </a:extLst>
+          </p:cNvPr>
+          <p:cNvSpPr txBox="1"/>
+          <p:nvPr/>
+        </p:nvSpPr>
+        <p:spPr>
+          <a:xfrm>
+            <a:off x="3075965" y="6106454"/>
+            <a:ext cx="445196" cy="369332"/>
+          </a:xfrm>
+          <a:prstGeom prst="rect">
+            <a:avLst/>
+          </a:prstGeom>
+          <a:noFill/>
+        </p:spPr>
+        <p:txBody>
+          <a:bodyPr wrap="square" rtlCol="0">
+            <a:spAutoFit/>
+          </a:bodyPr>
+          <a:lstStyle/>
+          <a:p>
+            <a:r>
+              <a:rPr lang="de-CH" dirty="0">
+                <a:solidFill>
+                  <a:srgbClr val="FF0000"/>
+                </a:solidFill>
+              </a:rPr>
+              <a:t>10</a:t>
+            </a:r>
+          </a:p>
+        </p:txBody>
+      </p:sp>
+      <p:cxnSp>
+        <p:nvCxnSpPr>
+          <p:cNvPr id="71" name="Gerade Verbindung mit Pfeil 70">
+            <a:extLst>
+              <a:ext uri="{FF2B5EF4-FFF2-40B4-BE49-F238E27FC236}">
+                <a16:creationId xmlns:a16="http://schemas.microsoft.com/office/drawing/2014/main" id="{086FE450-A019-4BAE-A52E-03B70874F35B}"/>
+              </a:ext>
+            </a:extLst>
+          </p:cNvPr>
+          <p:cNvCxnSpPr>
+            <a:cxnSpLocks/>
+          </p:cNvCxnSpPr>
+          <p:nvPr/>
+        </p:nvCxnSpPr>
+        <p:spPr>
+          <a:xfrm flipV="1">
+            <a:off x="3772045" y="5317396"/>
+            <a:ext cx="448392" cy="500816"/>
+          </a:xfrm>
+          <a:prstGeom prst="straightConnector1">
+            <a:avLst/>
+          </a:prstGeom>
+          <a:ln w="57150">
+            <a:solidFill>
+              <a:srgbClr val="FF0000"/>
+            </a:solidFill>
+            <a:tailEnd type="triangle"/>
+          </a:ln>
+        </p:spPr>
+        <p:style>
+          <a:lnRef idx="1">
+            <a:schemeClr val="accent1"/>
+          </a:lnRef>
+          <a:fillRef idx="0">
+            <a:schemeClr val="accent1"/>
+          </a:fillRef>
+          <a:effectRef idx="0">
+            <a:schemeClr val="accent1"/>
+          </a:effectRef>
+          <a:fontRef idx="minor">
+            <a:schemeClr val="tx1"/>
+          </a:fontRef>
+        </p:style>
+      </p:cxnSp>
+      <p:cxnSp>
+        <p:nvCxnSpPr>
+          <p:cNvPr id="79" name="Gerader Verbinder 78">
+            <a:extLst>
+              <a:ext uri="{FF2B5EF4-FFF2-40B4-BE49-F238E27FC236}">
+                <a16:creationId xmlns:a16="http://schemas.microsoft.com/office/drawing/2014/main" id="{5F950B44-E5B3-4664-854B-A5491B4C147F}"/>
+              </a:ext>
+            </a:extLst>
+          </p:cNvPr>
+          <p:cNvCxnSpPr>
+            <a:cxnSpLocks/>
+          </p:cNvCxnSpPr>
+          <p:nvPr/>
+        </p:nvCxnSpPr>
+        <p:spPr>
+          <a:xfrm flipV="1">
+            <a:off x="5591096" y="3248321"/>
+            <a:ext cx="297108" cy="1179794"/>
+          </a:xfrm>
+          <a:prstGeom prst="line">
+            <a:avLst/>
+          </a:prstGeom>
+          <a:ln w="57150">
+            <a:solidFill>
+              <a:srgbClr val="FF0000"/>
+            </a:solidFill>
+          </a:ln>
+        </p:spPr>
+        <p:style>
+          <a:lnRef idx="1">
+            <a:schemeClr val="accent1"/>
+          </a:lnRef>
+          <a:fillRef idx="0">
+            <a:schemeClr val="accent1"/>
+          </a:fillRef>
+          <a:effectRef idx="0">
+            <a:schemeClr val="accent1"/>
+          </a:effectRef>
+          <a:fontRef idx="minor">
+            <a:schemeClr val="tx1"/>
+          </a:fontRef>
+        </p:style>
+      </p:cxnSp>
+      <p:sp>
+        <p:nvSpPr>
+          <p:cNvPr id="81" name="Textfeld 80">
+            <a:extLst>
+              <a:ext uri="{FF2B5EF4-FFF2-40B4-BE49-F238E27FC236}">
+                <a16:creationId xmlns:a16="http://schemas.microsoft.com/office/drawing/2014/main" id="{28B1A902-561A-4EC1-A606-0582274A7E99}"/>
+              </a:ext>
+            </a:extLst>
+          </p:cNvPr>
+          <p:cNvSpPr txBox="1"/>
+          <p:nvPr/>
+        </p:nvSpPr>
+        <p:spPr>
+          <a:xfrm>
+            <a:off x="5623729" y="3024456"/>
+            <a:ext cx="297108" cy="369332"/>
+          </a:xfrm>
+          <a:prstGeom prst="rect">
+            <a:avLst/>
+          </a:prstGeom>
+          <a:noFill/>
+        </p:spPr>
+        <p:txBody>
+          <a:bodyPr wrap="square" rtlCol="0">
+            <a:spAutoFit/>
+          </a:bodyPr>
+          <a:lstStyle/>
+          <a:p>
+            <a:r>
+              <a:rPr lang="de-CH" dirty="0">
+                <a:solidFill>
+                  <a:srgbClr val="FF0000"/>
+                </a:solidFill>
+              </a:rPr>
+              <a:t>7</a:t>
+            </a:r>
+          </a:p>
+        </p:txBody>
+      </p:sp>
+      <p:sp>
+        <p:nvSpPr>
+          <p:cNvPr id="83" name="Textfeld 82">
+            <a:extLst>
+              <a:ext uri="{FF2B5EF4-FFF2-40B4-BE49-F238E27FC236}">
+                <a16:creationId xmlns:a16="http://schemas.microsoft.com/office/drawing/2014/main" id="{3C0D8581-BCAA-480D-BEF1-54ACCBCF9597}"/>
+              </a:ext>
+            </a:extLst>
+          </p:cNvPr>
+          <p:cNvSpPr txBox="1"/>
+          <p:nvPr/>
+        </p:nvSpPr>
+        <p:spPr>
+          <a:xfrm>
+            <a:off x="4627738" y="574006"/>
+            <a:ext cx="491648" cy="369332"/>
+          </a:xfrm>
+          <a:prstGeom prst="rect">
+            <a:avLst/>
+          </a:prstGeom>
+          <a:noFill/>
+        </p:spPr>
+        <p:txBody>
+          <a:bodyPr wrap="square" rtlCol="0">
+            <a:spAutoFit/>
+          </a:bodyPr>
+          <a:lstStyle/>
+          <a:p>
+            <a:r>
+              <a:rPr lang="de-CH" dirty="0">
+                <a:solidFill>
+                  <a:srgbClr val="FF0000"/>
+                </a:solidFill>
+              </a:rPr>
+              <a:t>11</a:t>
+            </a:r>
+          </a:p>
+        </p:txBody>
+      </p:sp>
+      <p:sp>
+        <p:nvSpPr>
+          <p:cNvPr id="84" name="Textfeld 83">
+            <a:extLst>
+              <a:ext uri="{FF2B5EF4-FFF2-40B4-BE49-F238E27FC236}">
+                <a16:creationId xmlns:a16="http://schemas.microsoft.com/office/drawing/2014/main" id="{266382BC-3F98-4A64-BCCF-1695271A2898}"/>
+              </a:ext>
+            </a:extLst>
+          </p:cNvPr>
+          <p:cNvSpPr txBox="1"/>
+          <p:nvPr/>
+        </p:nvSpPr>
+        <p:spPr>
+          <a:xfrm>
+            <a:off x="4618256" y="5513580"/>
+            <a:ext cx="445196" cy="369332"/>
+          </a:xfrm>
+          <a:prstGeom prst="rect">
+            <a:avLst/>
+          </a:prstGeom>
+          <a:noFill/>
+        </p:spPr>
+        <p:txBody>
+          <a:bodyPr wrap="square" rtlCol="0">
+            <a:spAutoFit/>
+          </a:bodyPr>
+          <a:lstStyle/>
+          <a:p>
+            <a:r>
+              <a:rPr lang="de-CH" dirty="0">
+                <a:solidFill>
+                  <a:srgbClr val="FF0000"/>
+                </a:solidFill>
+              </a:rPr>
+              <a:t>11</a:t>
+            </a:r>
+          </a:p>
+        </p:txBody>
+      </p:sp>
+      <p:sp>
+        <p:nvSpPr>
+          <p:cNvPr id="89" name="Textfeld 88">
+            <a:extLst>
+              <a:ext uri="{FF2B5EF4-FFF2-40B4-BE49-F238E27FC236}">
+                <a16:creationId xmlns:a16="http://schemas.microsoft.com/office/drawing/2014/main" id="{D1767828-A8D5-4ACA-A196-8FA322060B7A}"/>
+              </a:ext>
+            </a:extLst>
+          </p:cNvPr>
+          <p:cNvSpPr txBox="1"/>
+          <p:nvPr/>
+        </p:nvSpPr>
+        <p:spPr>
+          <a:xfrm>
+            <a:off x="6728729" y="191694"/>
+            <a:ext cx="4791242" cy="523220"/>
+          </a:xfrm>
+          <a:prstGeom prst="rect">
+            <a:avLst/>
+          </a:prstGeom>
+          <a:noFill/>
+        </p:spPr>
+        <p:txBody>
+          <a:bodyPr wrap="square" rtlCol="0">
+            <a:spAutoFit/>
+          </a:bodyPr>
+          <a:lstStyle/>
+          <a:p>
+            <a:pPr algn="ctr"/>
+            <a:r>
+              <a:rPr lang="en-GB" sz="2800" dirty="0"/>
+              <a:t>Recipe calculator</a:t>
+            </a:r>
+          </a:p>
+        </p:txBody>
+      </p:sp>
+    </p:spTree>
+    <p:extLst>
+      <p:ext uri="{BB962C8B-B14F-4D97-AF65-F5344CB8AC3E}">
+        <p14:creationId xmlns:p14="http://schemas.microsoft.com/office/powerpoint/2010/main" val="4115207575"/>
       </p:ext>
     </p:extLst>
   </p:cSld>
